--- a/course_material/week_01/01_Presentation.pptx
+++ b/course_material/week_01/01_Presentation.pptx
@@ -1558,24 +1558,32 @@
     </pc:docChg>
   </pc:docChgLst>
   <pc:docChgLst>
-    <pc:chgData name="Matthew Warner" userId="389b7aa93fe24cc9" providerId="Windows Live" clId="Web-{EFA17049-0C7F-48B7-BD93-99B23A522F43}"/>
-    <pc:docChg chg="modSld">
-      <pc:chgData name="Matthew Warner" userId="389b7aa93fe24cc9" providerId="Windows Live" clId="Web-{EFA17049-0C7F-48B7-BD93-99B23A522F43}" dt="2020-08-19T21:56:53.640" v="3" actId="20577"/>
+    <pc:chgData name="Matthew Warner" userId="389b7aa93fe24cc9" providerId="Windows Live" clId="Web-{982466DD-6CA6-4829-8677-8121BEBBE42F}"/>
+    <pc:docChg chg="addSld modSld">
+      <pc:chgData name="Matthew Warner" userId="389b7aa93fe24cc9" providerId="Windows Live" clId="Web-{982466DD-6CA6-4829-8677-8121BEBBE42F}" dt="2020-08-17T21:56:35.533" v="717" actId="20577"/>
       <pc:docMkLst>
         <pc:docMk/>
       </pc:docMkLst>
-      <pc:sldChg chg="modSp">
-        <pc:chgData name="Matthew Warner" userId="389b7aa93fe24cc9" providerId="Windows Live" clId="Web-{EFA17049-0C7F-48B7-BD93-99B23A522F43}" dt="2020-08-19T21:56:53.640" v="2" actId="20577"/>
+      <pc:sldChg chg="modSp new">
+        <pc:chgData name="Matthew Warner" userId="389b7aa93fe24cc9" providerId="Windows Live" clId="Web-{982466DD-6CA6-4829-8677-8121BEBBE42F}" dt="2020-08-17T21:54:18.167" v="716" actId="20577"/>
         <pc:sldMkLst>
           <pc:docMk/>
-          <pc:sldMk cId="3854308777" sldId="258"/>
+          <pc:sldMk cId="3682780387" sldId="269"/>
         </pc:sldMkLst>
         <pc:spChg chg="mod">
-          <ac:chgData name="Matthew Warner" userId="389b7aa93fe24cc9" providerId="Windows Live" clId="Web-{EFA17049-0C7F-48B7-BD93-99B23A522F43}" dt="2020-08-19T21:56:53.640" v="2" actId="20577"/>
+          <ac:chgData name="Matthew Warner" userId="389b7aa93fe24cc9" providerId="Windows Live" clId="Web-{982466DD-6CA6-4829-8677-8121BEBBE42F}" dt="2020-08-17T21:49:03.040" v="11" actId="1076"/>
           <ac:spMkLst>
             <pc:docMk/>
-            <pc:sldMk cId="3854308777" sldId="258"/>
-            <ac:spMk id="3" creationId="{DE1805A6-F933-491C-96A0-14F614A26A88}"/>
+            <pc:sldMk cId="3682780387" sldId="269"/>
+            <ac:spMk id="2" creationId="{EF27FBFE-8268-4F9A-BCE8-38B64A24927B}"/>
+          </ac:spMkLst>
+        </pc:spChg>
+        <pc:spChg chg="mod">
+          <ac:chgData name="Matthew Warner" userId="389b7aa93fe24cc9" providerId="Windows Live" clId="Web-{982466DD-6CA6-4829-8677-8121BEBBE42F}" dt="2020-08-17T21:54:18.167" v="716" actId="20577"/>
+          <ac:spMkLst>
+            <pc:docMk/>
+            <pc:sldMk cId="3682780387" sldId="269"/>
+            <ac:spMk id="3" creationId="{1A832535-BBA3-4CE2-8CAC-C3E1EF98EE79}"/>
           </ac:spMkLst>
         </pc:spChg>
       </pc:sldChg>
@@ -1653,32 +1661,24 @@
     </pc:docChg>
   </pc:docChgLst>
   <pc:docChgLst>
-    <pc:chgData name="Matthew Warner" userId="389b7aa93fe24cc9" providerId="Windows Live" clId="Web-{982466DD-6CA6-4829-8677-8121BEBBE42F}"/>
-    <pc:docChg chg="addSld modSld">
-      <pc:chgData name="Matthew Warner" userId="389b7aa93fe24cc9" providerId="Windows Live" clId="Web-{982466DD-6CA6-4829-8677-8121BEBBE42F}" dt="2020-08-17T21:56:35.533" v="717" actId="20577"/>
+    <pc:chgData name="Matthew Warner" userId="389b7aa93fe24cc9" providerId="Windows Live" clId="Web-{EFA17049-0C7F-48B7-BD93-99B23A522F43}"/>
+    <pc:docChg chg="modSld">
+      <pc:chgData name="Matthew Warner" userId="389b7aa93fe24cc9" providerId="Windows Live" clId="Web-{EFA17049-0C7F-48B7-BD93-99B23A522F43}" dt="2020-08-19T21:56:53.640" v="3" actId="20577"/>
       <pc:docMkLst>
         <pc:docMk/>
       </pc:docMkLst>
-      <pc:sldChg chg="modSp new">
-        <pc:chgData name="Matthew Warner" userId="389b7aa93fe24cc9" providerId="Windows Live" clId="Web-{982466DD-6CA6-4829-8677-8121BEBBE42F}" dt="2020-08-17T21:54:18.167" v="716" actId="20577"/>
+      <pc:sldChg chg="modSp">
+        <pc:chgData name="Matthew Warner" userId="389b7aa93fe24cc9" providerId="Windows Live" clId="Web-{EFA17049-0C7F-48B7-BD93-99B23A522F43}" dt="2020-08-19T21:56:53.640" v="2" actId="20577"/>
         <pc:sldMkLst>
           <pc:docMk/>
-          <pc:sldMk cId="3682780387" sldId="269"/>
+          <pc:sldMk cId="3854308777" sldId="258"/>
         </pc:sldMkLst>
         <pc:spChg chg="mod">
-          <ac:chgData name="Matthew Warner" userId="389b7aa93fe24cc9" providerId="Windows Live" clId="Web-{982466DD-6CA6-4829-8677-8121BEBBE42F}" dt="2020-08-17T21:49:03.040" v="11" actId="1076"/>
+          <ac:chgData name="Matthew Warner" userId="389b7aa93fe24cc9" providerId="Windows Live" clId="Web-{EFA17049-0C7F-48B7-BD93-99B23A522F43}" dt="2020-08-19T21:56:53.640" v="2" actId="20577"/>
           <ac:spMkLst>
             <pc:docMk/>
-            <pc:sldMk cId="3682780387" sldId="269"/>
-            <ac:spMk id="2" creationId="{EF27FBFE-8268-4F9A-BCE8-38B64A24927B}"/>
-          </ac:spMkLst>
-        </pc:spChg>
-        <pc:spChg chg="mod">
-          <ac:chgData name="Matthew Warner" userId="389b7aa93fe24cc9" providerId="Windows Live" clId="Web-{982466DD-6CA6-4829-8677-8121BEBBE42F}" dt="2020-08-17T21:54:18.167" v="716" actId="20577"/>
-          <ac:spMkLst>
-            <pc:docMk/>
-            <pc:sldMk cId="3682780387" sldId="269"/>
-            <ac:spMk id="3" creationId="{1A832535-BBA3-4CE2-8CAC-C3E1EF98EE79}"/>
+            <pc:sldMk cId="3854308777" sldId="258"/>
+            <ac:spMk id="3" creationId="{DE1805A6-F933-491C-96A0-14F614A26A88}"/>
           </ac:spMkLst>
         </pc:spChg>
       </pc:sldChg>
@@ -2182,7 +2182,7 @@
           <a:p>
             <a:fld id="{0D815154-CDFD-4C23-9D33-E83F0FAADAA2}" type="datetimeFigureOut">
               <a:rPr lang="en-US" smtClean="0"/>
-              <a:t>3/1/2021</a:t>
+              <a:t>3/2/2021</a:t>
             </a:fld>
             <a:endParaRPr lang="en-US"/>
           </a:p>
@@ -2495,8 +2495,13 @@
           <a:p>
             <a:r>
               <a:rPr lang="en-US" dirty="0"/>
-              <a:t>https://www.geeksforgeeks.org/python-data-types/</a:t>
-            </a:r>
+              <a:t>https://www.geeksforgeeks.org/python-data-types/ yeah “integer” is </a:t>
+            </a:r>
+            <a:r>
+              <a:rPr lang="en-US"/>
+              <a:t>spelled wrong</a:t>
+            </a:r>
+            <a:endParaRPr lang="en-US" dirty="0"/>
           </a:p>
         </p:txBody>
       </p:sp>
@@ -2720,7 +2725,7 @@
           <a:p>
             <a:fld id="{4AAD347D-5ACD-4C99-B74B-A9C85AD731AF}" type="datetimeFigureOut">
               <a:rPr lang="en-US" dirty="0"/>
-              <a:t>3/1/2021</a:t>
+              <a:t>3/2/2021</a:t>
             </a:fld>
             <a:endParaRPr lang="en-US"/>
           </a:p>
@@ -2990,7 +2995,7 @@
           <a:p>
             <a:fld id="{4509A250-FF31-4206-8172-F9D3106AACB1}" type="datetimeFigureOut">
               <a:rPr lang="en-US" dirty="0"/>
-              <a:t>3/1/2021</a:t>
+              <a:t>3/2/2021</a:t>
             </a:fld>
             <a:endParaRPr lang="en-US"/>
           </a:p>
@@ -3183,7 +3188,7 @@
           <a:p>
             <a:fld id="{4509A250-FF31-4206-8172-F9D3106AACB1}" type="datetimeFigureOut">
               <a:rPr lang="en-US" dirty="0"/>
-              <a:t>3/1/2021</a:t>
+              <a:t>3/2/2021</a:t>
             </a:fld>
             <a:endParaRPr lang="en-US"/>
           </a:p>
@@ -3455,7 +3460,7 @@
           <a:p>
             <a:fld id="{4509A250-FF31-4206-8172-F9D3106AACB1}" type="datetimeFigureOut">
               <a:rPr lang="en-US" dirty="0"/>
-              <a:t>3/1/2021</a:t>
+              <a:t>3/2/2021</a:t>
             </a:fld>
             <a:endParaRPr lang="en-US"/>
           </a:p>
@@ -3795,7 +3800,7 @@
           <a:p>
             <a:fld id="{4509A250-FF31-4206-8172-F9D3106AACB1}" type="datetimeFigureOut">
               <a:rPr lang="en-US" dirty="0"/>
-              <a:t>3/1/2021</a:t>
+              <a:t>3/2/2021</a:t>
             </a:fld>
             <a:endParaRPr lang="en-US"/>
           </a:p>
@@ -4417,7 +4422,7 @@
           <a:p>
             <a:fld id="{4509A250-FF31-4206-8172-F9D3106AACB1}" type="datetimeFigureOut">
               <a:rPr lang="en-US" dirty="0"/>
-              <a:t>3/1/2021</a:t>
+              <a:t>3/2/2021</a:t>
             </a:fld>
             <a:endParaRPr lang="en-US"/>
           </a:p>
@@ -5264,7 +5269,7 @@
           <a:p>
             <a:fld id="{4509A250-FF31-4206-8172-F9D3106AACB1}" type="datetimeFigureOut">
               <a:rPr lang="en-US" dirty="0"/>
-              <a:t>3/1/2021</a:t>
+              <a:t>3/2/2021</a:t>
             </a:fld>
             <a:endParaRPr lang="en-US"/>
           </a:p>
@@ -5432,7 +5437,7 @@
           <a:p>
             <a:fld id="{4509A250-FF31-4206-8172-F9D3106AACB1}" type="datetimeFigureOut">
               <a:rPr lang="en-US" dirty="0"/>
-              <a:t>3/1/2021</a:t>
+              <a:t>3/2/2021</a:t>
             </a:fld>
             <a:endParaRPr lang="en-US"/>
           </a:p>
@@ -5610,7 +5615,7 @@
           <a:p>
             <a:fld id="{4509A250-FF31-4206-8172-F9D3106AACB1}" type="datetimeFigureOut">
               <a:rPr lang="en-US" dirty="0"/>
-              <a:t>3/1/2021</a:t>
+              <a:t>3/2/2021</a:t>
             </a:fld>
             <a:endParaRPr lang="en-US"/>
           </a:p>
@@ -5778,7 +5783,7 @@
           <a:p>
             <a:fld id="{4509A250-FF31-4206-8172-F9D3106AACB1}" type="datetimeFigureOut">
               <a:rPr lang="en-US" dirty="0"/>
-              <a:t>3/1/2021</a:t>
+              <a:t>3/2/2021</a:t>
             </a:fld>
             <a:endParaRPr lang="en-US"/>
           </a:p>
@@ -6024,7 +6029,7 @@
           <a:p>
             <a:fld id="{9796027F-7875-4030-9381-8BD8C4F21935}" type="datetimeFigureOut">
               <a:rPr lang="en-US" dirty="0"/>
-              <a:t>3/1/2021</a:t>
+              <a:t>3/2/2021</a:t>
             </a:fld>
             <a:endParaRPr lang="en-US"/>
           </a:p>
@@ -6313,7 +6318,7 @@
           <a:p>
             <a:fld id="{9796027F-7875-4030-9381-8BD8C4F21935}" type="datetimeFigureOut">
               <a:rPr lang="en-US" dirty="0"/>
-              <a:t>3/1/2021</a:t>
+              <a:t>3/2/2021</a:t>
             </a:fld>
             <a:endParaRPr lang="en-US"/>
           </a:p>
@@ -6754,7 +6759,7 @@
           <a:p>
             <a:fld id="{9796027F-7875-4030-9381-8BD8C4F21935}" type="datetimeFigureOut">
               <a:rPr lang="en-US" dirty="0"/>
-              <a:t>3/1/2021</a:t>
+              <a:t>3/2/2021</a:t>
             </a:fld>
             <a:endParaRPr lang="en-US"/>
           </a:p>
@@ -6871,7 +6876,7 @@
           <a:p>
             <a:fld id="{4509A250-FF31-4206-8172-F9D3106AACB1}" type="datetimeFigureOut">
               <a:rPr lang="en-US" dirty="0"/>
-              <a:t>3/1/2021</a:t>
+              <a:t>3/2/2021</a:t>
             </a:fld>
             <a:endParaRPr lang="en-US"/>
           </a:p>
@@ -6966,7 +6971,7 @@
           <a:p>
             <a:fld id="{4509A250-FF31-4206-8172-F9D3106AACB1}" type="datetimeFigureOut">
               <a:rPr lang="en-US" dirty="0"/>
-              <a:t>3/1/2021</a:t>
+              <a:t>3/2/2021</a:t>
             </a:fld>
             <a:endParaRPr lang="en-US"/>
           </a:p>
@@ -7243,7 +7248,7 @@
           <a:p>
             <a:fld id="{4509A250-FF31-4206-8172-F9D3106AACB1}" type="datetimeFigureOut">
               <a:rPr lang="en-US" dirty="0"/>
-              <a:t>3/1/2021</a:t>
+              <a:t>3/2/2021</a:t>
             </a:fld>
             <a:endParaRPr lang="en-US"/>
           </a:p>
@@ -7513,7 +7518,7 @@
           <a:p>
             <a:fld id="{4509A250-FF31-4206-8172-F9D3106AACB1}" type="datetimeFigureOut">
               <a:rPr lang="en-US" dirty="0"/>
-              <a:t>3/1/2021</a:t>
+              <a:t>3/2/2021</a:t>
             </a:fld>
             <a:endParaRPr lang="en-US"/>
           </a:p>
@@ -7940,7 +7945,7 @@
           <a:p>
             <a:fld id="{4AAD347D-5ACD-4C99-B74B-A9C85AD731AF}" type="datetimeFigureOut">
               <a:rPr lang="en-US" dirty="0"/>
-              <a:t>3/1/2021</a:t>
+              <a:t>3/2/2021</a:t>
             </a:fld>
             <a:endParaRPr lang="en-US"/>
           </a:p>

--- a/course_material/week_01/01_Presentation.pptx
+++ b/course_material/week_01/01_Presentation.pptx
@@ -1558,32 +1558,24 @@
     </pc:docChg>
   </pc:docChgLst>
   <pc:docChgLst>
-    <pc:chgData name="Matthew Warner" userId="389b7aa93fe24cc9" providerId="Windows Live" clId="Web-{982466DD-6CA6-4829-8677-8121BEBBE42F}"/>
-    <pc:docChg chg="addSld modSld">
-      <pc:chgData name="Matthew Warner" userId="389b7aa93fe24cc9" providerId="Windows Live" clId="Web-{982466DD-6CA6-4829-8677-8121BEBBE42F}" dt="2020-08-17T21:56:35.533" v="717" actId="20577"/>
+    <pc:chgData name="Matthew Warner" userId="389b7aa93fe24cc9" providerId="Windows Live" clId="Web-{EFA17049-0C7F-48B7-BD93-99B23A522F43}"/>
+    <pc:docChg chg="modSld">
+      <pc:chgData name="Matthew Warner" userId="389b7aa93fe24cc9" providerId="Windows Live" clId="Web-{EFA17049-0C7F-48B7-BD93-99B23A522F43}" dt="2020-08-19T21:56:53.640" v="3" actId="20577"/>
       <pc:docMkLst>
         <pc:docMk/>
       </pc:docMkLst>
-      <pc:sldChg chg="modSp new">
-        <pc:chgData name="Matthew Warner" userId="389b7aa93fe24cc9" providerId="Windows Live" clId="Web-{982466DD-6CA6-4829-8677-8121BEBBE42F}" dt="2020-08-17T21:54:18.167" v="716" actId="20577"/>
+      <pc:sldChg chg="modSp">
+        <pc:chgData name="Matthew Warner" userId="389b7aa93fe24cc9" providerId="Windows Live" clId="Web-{EFA17049-0C7F-48B7-BD93-99B23A522F43}" dt="2020-08-19T21:56:53.640" v="2" actId="20577"/>
         <pc:sldMkLst>
           <pc:docMk/>
-          <pc:sldMk cId="3682780387" sldId="269"/>
+          <pc:sldMk cId="3854308777" sldId="258"/>
         </pc:sldMkLst>
         <pc:spChg chg="mod">
-          <ac:chgData name="Matthew Warner" userId="389b7aa93fe24cc9" providerId="Windows Live" clId="Web-{982466DD-6CA6-4829-8677-8121BEBBE42F}" dt="2020-08-17T21:49:03.040" v="11" actId="1076"/>
+          <ac:chgData name="Matthew Warner" userId="389b7aa93fe24cc9" providerId="Windows Live" clId="Web-{EFA17049-0C7F-48B7-BD93-99B23A522F43}" dt="2020-08-19T21:56:53.640" v="2" actId="20577"/>
           <ac:spMkLst>
             <pc:docMk/>
-            <pc:sldMk cId="3682780387" sldId="269"/>
-            <ac:spMk id="2" creationId="{EF27FBFE-8268-4F9A-BCE8-38B64A24927B}"/>
-          </ac:spMkLst>
-        </pc:spChg>
-        <pc:spChg chg="mod">
-          <ac:chgData name="Matthew Warner" userId="389b7aa93fe24cc9" providerId="Windows Live" clId="Web-{982466DD-6CA6-4829-8677-8121BEBBE42F}" dt="2020-08-17T21:54:18.167" v="716" actId="20577"/>
-          <ac:spMkLst>
-            <pc:docMk/>
-            <pc:sldMk cId="3682780387" sldId="269"/>
-            <ac:spMk id="3" creationId="{1A832535-BBA3-4CE2-8CAC-C3E1EF98EE79}"/>
+            <pc:sldMk cId="3854308777" sldId="258"/>
+            <ac:spMk id="3" creationId="{DE1805A6-F933-491C-96A0-14F614A26A88}"/>
           </ac:spMkLst>
         </pc:spChg>
       </pc:sldChg>
@@ -1661,24 +1653,32 @@
     </pc:docChg>
   </pc:docChgLst>
   <pc:docChgLst>
-    <pc:chgData name="Matthew Warner" userId="389b7aa93fe24cc9" providerId="Windows Live" clId="Web-{EFA17049-0C7F-48B7-BD93-99B23A522F43}"/>
-    <pc:docChg chg="modSld">
-      <pc:chgData name="Matthew Warner" userId="389b7aa93fe24cc9" providerId="Windows Live" clId="Web-{EFA17049-0C7F-48B7-BD93-99B23A522F43}" dt="2020-08-19T21:56:53.640" v="3" actId="20577"/>
+    <pc:chgData name="Matthew Warner" userId="389b7aa93fe24cc9" providerId="Windows Live" clId="Web-{982466DD-6CA6-4829-8677-8121BEBBE42F}"/>
+    <pc:docChg chg="addSld modSld">
+      <pc:chgData name="Matthew Warner" userId="389b7aa93fe24cc9" providerId="Windows Live" clId="Web-{982466DD-6CA6-4829-8677-8121BEBBE42F}" dt="2020-08-17T21:56:35.533" v="717" actId="20577"/>
       <pc:docMkLst>
         <pc:docMk/>
       </pc:docMkLst>
-      <pc:sldChg chg="modSp">
-        <pc:chgData name="Matthew Warner" userId="389b7aa93fe24cc9" providerId="Windows Live" clId="Web-{EFA17049-0C7F-48B7-BD93-99B23A522F43}" dt="2020-08-19T21:56:53.640" v="2" actId="20577"/>
+      <pc:sldChg chg="modSp new">
+        <pc:chgData name="Matthew Warner" userId="389b7aa93fe24cc9" providerId="Windows Live" clId="Web-{982466DD-6CA6-4829-8677-8121BEBBE42F}" dt="2020-08-17T21:54:18.167" v="716" actId="20577"/>
         <pc:sldMkLst>
           <pc:docMk/>
-          <pc:sldMk cId="3854308777" sldId="258"/>
+          <pc:sldMk cId="3682780387" sldId="269"/>
         </pc:sldMkLst>
         <pc:spChg chg="mod">
-          <ac:chgData name="Matthew Warner" userId="389b7aa93fe24cc9" providerId="Windows Live" clId="Web-{EFA17049-0C7F-48B7-BD93-99B23A522F43}" dt="2020-08-19T21:56:53.640" v="2" actId="20577"/>
+          <ac:chgData name="Matthew Warner" userId="389b7aa93fe24cc9" providerId="Windows Live" clId="Web-{982466DD-6CA6-4829-8677-8121BEBBE42F}" dt="2020-08-17T21:49:03.040" v="11" actId="1076"/>
           <ac:spMkLst>
             <pc:docMk/>
-            <pc:sldMk cId="3854308777" sldId="258"/>
-            <ac:spMk id="3" creationId="{DE1805A6-F933-491C-96A0-14F614A26A88}"/>
+            <pc:sldMk cId="3682780387" sldId="269"/>
+            <ac:spMk id="2" creationId="{EF27FBFE-8268-4F9A-BCE8-38B64A24927B}"/>
+          </ac:spMkLst>
+        </pc:spChg>
+        <pc:spChg chg="mod">
+          <ac:chgData name="Matthew Warner" userId="389b7aa93fe24cc9" providerId="Windows Live" clId="Web-{982466DD-6CA6-4829-8677-8121BEBBE42F}" dt="2020-08-17T21:54:18.167" v="716" actId="20577"/>
+          <ac:spMkLst>
+            <pc:docMk/>
+            <pc:sldMk cId="3682780387" sldId="269"/>
+            <ac:spMk id="3" creationId="{1A832535-BBA3-4CE2-8CAC-C3E1EF98EE79}"/>
           </ac:spMkLst>
         </pc:spChg>
       </pc:sldChg>
@@ -2182,7 +2182,7 @@
           <a:p>
             <a:fld id="{0D815154-CDFD-4C23-9D33-E83F0FAADAA2}" type="datetimeFigureOut">
               <a:rPr lang="en-US" smtClean="0"/>
-              <a:t>3/2/2021</a:t>
+              <a:t>9/7/2021</a:t>
             </a:fld>
             <a:endParaRPr lang="en-US"/>
           </a:p>
@@ -2725,7 +2725,7 @@
           <a:p>
             <a:fld id="{4AAD347D-5ACD-4C99-B74B-A9C85AD731AF}" type="datetimeFigureOut">
               <a:rPr lang="en-US" dirty="0"/>
-              <a:t>3/2/2021</a:t>
+              <a:t>9/7/2021</a:t>
             </a:fld>
             <a:endParaRPr lang="en-US"/>
           </a:p>
@@ -2995,7 +2995,7 @@
           <a:p>
             <a:fld id="{4509A250-FF31-4206-8172-F9D3106AACB1}" type="datetimeFigureOut">
               <a:rPr lang="en-US" dirty="0"/>
-              <a:t>3/2/2021</a:t>
+              <a:t>9/7/2021</a:t>
             </a:fld>
             <a:endParaRPr lang="en-US"/>
           </a:p>
@@ -3188,7 +3188,7 @@
           <a:p>
             <a:fld id="{4509A250-FF31-4206-8172-F9D3106AACB1}" type="datetimeFigureOut">
               <a:rPr lang="en-US" dirty="0"/>
-              <a:t>3/2/2021</a:t>
+              <a:t>9/7/2021</a:t>
             </a:fld>
             <a:endParaRPr lang="en-US"/>
           </a:p>
@@ -3460,7 +3460,7 @@
           <a:p>
             <a:fld id="{4509A250-FF31-4206-8172-F9D3106AACB1}" type="datetimeFigureOut">
               <a:rPr lang="en-US" dirty="0"/>
-              <a:t>3/2/2021</a:t>
+              <a:t>9/7/2021</a:t>
             </a:fld>
             <a:endParaRPr lang="en-US"/>
           </a:p>
@@ -3800,7 +3800,7 @@
           <a:p>
             <a:fld id="{4509A250-FF31-4206-8172-F9D3106AACB1}" type="datetimeFigureOut">
               <a:rPr lang="en-US" dirty="0"/>
-              <a:t>3/2/2021</a:t>
+              <a:t>9/7/2021</a:t>
             </a:fld>
             <a:endParaRPr lang="en-US"/>
           </a:p>
@@ -4422,7 +4422,7 @@
           <a:p>
             <a:fld id="{4509A250-FF31-4206-8172-F9D3106AACB1}" type="datetimeFigureOut">
               <a:rPr lang="en-US" dirty="0"/>
-              <a:t>3/2/2021</a:t>
+              <a:t>9/7/2021</a:t>
             </a:fld>
             <a:endParaRPr lang="en-US"/>
           </a:p>
@@ -5269,7 +5269,7 @@
           <a:p>
             <a:fld id="{4509A250-FF31-4206-8172-F9D3106AACB1}" type="datetimeFigureOut">
               <a:rPr lang="en-US" dirty="0"/>
-              <a:t>3/2/2021</a:t>
+              <a:t>9/7/2021</a:t>
             </a:fld>
             <a:endParaRPr lang="en-US"/>
           </a:p>
@@ -5437,7 +5437,7 @@
           <a:p>
             <a:fld id="{4509A250-FF31-4206-8172-F9D3106AACB1}" type="datetimeFigureOut">
               <a:rPr lang="en-US" dirty="0"/>
-              <a:t>3/2/2021</a:t>
+              <a:t>9/7/2021</a:t>
             </a:fld>
             <a:endParaRPr lang="en-US"/>
           </a:p>
@@ -5615,7 +5615,7 @@
           <a:p>
             <a:fld id="{4509A250-FF31-4206-8172-F9D3106AACB1}" type="datetimeFigureOut">
               <a:rPr lang="en-US" dirty="0"/>
-              <a:t>3/2/2021</a:t>
+              <a:t>9/7/2021</a:t>
             </a:fld>
             <a:endParaRPr lang="en-US"/>
           </a:p>
@@ -5783,7 +5783,7 @@
           <a:p>
             <a:fld id="{4509A250-FF31-4206-8172-F9D3106AACB1}" type="datetimeFigureOut">
               <a:rPr lang="en-US" dirty="0"/>
-              <a:t>3/2/2021</a:t>
+              <a:t>9/7/2021</a:t>
             </a:fld>
             <a:endParaRPr lang="en-US"/>
           </a:p>
@@ -6029,7 +6029,7 @@
           <a:p>
             <a:fld id="{9796027F-7875-4030-9381-8BD8C4F21935}" type="datetimeFigureOut">
               <a:rPr lang="en-US" dirty="0"/>
-              <a:t>3/2/2021</a:t>
+              <a:t>9/7/2021</a:t>
             </a:fld>
             <a:endParaRPr lang="en-US"/>
           </a:p>
@@ -6318,7 +6318,7 @@
           <a:p>
             <a:fld id="{9796027F-7875-4030-9381-8BD8C4F21935}" type="datetimeFigureOut">
               <a:rPr lang="en-US" dirty="0"/>
-              <a:t>3/2/2021</a:t>
+              <a:t>9/7/2021</a:t>
             </a:fld>
             <a:endParaRPr lang="en-US"/>
           </a:p>
@@ -6759,7 +6759,7 @@
           <a:p>
             <a:fld id="{9796027F-7875-4030-9381-8BD8C4F21935}" type="datetimeFigureOut">
               <a:rPr lang="en-US" dirty="0"/>
-              <a:t>3/2/2021</a:t>
+              <a:t>9/7/2021</a:t>
             </a:fld>
             <a:endParaRPr lang="en-US"/>
           </a:p>
@@ -6876,7 +6876,7 @@
           <a:p>
             <a:fld id="{4509A250-FF31-4206-8172-F9D3106AACB1}" type="datetimeFigureOut">
               <a:rPr lang="en-US" dirty="0"/>
-              <a:t>3/2/2021</a:t>
+              <a:t>9/7/2021</a:t>
             </a:fld>
             <a:endParaRPr lang="en-US"/>
           </a:p>
@@ -6971,7 +6971,7 @@
           <a:p>
             <a:fld id="{4509A250-FF31-4206-8172-F9D3106AACB1}" type="datetimeFigureOut">
               <a:rPr lang="en-US" dirty="0"/>
-              <a:t>3/2/2021</a:t>
+              <a:t>9/7/2021</a:t>
             </a:fld>
             <a:endParaRPr lang="en-US"/>
           </a:p>
@@ -7248,7 +7248,7 @@
           <a:p>
             <a:fld id="{4509A250-FF31-4206-8172-F9D3106AACB1}" type="datetimeFigureOut">
               <a:rPr lang="en-US" dirty="0"/>
-              <a:t>3/2/2021</a:t>
+              <a:t>9/7/2021</a:t>
             </a:fld>
             <a:endParaRPr lang="en-US"/>
           </a:p>
@@ -7518,7 +7518,7 @@
           <a:p>
             <a:fld id="{4509A250-FF31-4206-8172-F9D3106AACB1}" type="datetimeFigureOut">
               <a:rPr lang="en-US" dirty="0"/>
-              <a:t>3/2/2021</a:t>
+              <a:t>9/7/2021</a:t>
             </a:fld>
             <a:endParaRPr lang="en-US"/>
           </a:p>
@@ -7945,7 +7945,7 @@
           <a:p>
             <a:fld id="{4AAD347D-5ACD-4C99-B74B-A9C85AD731AF}" type="datetimeFigureOut">
               <a:rPr lang="en-US" dirty="0"/>
-              <a:t>3/2/2021</a:t>
+              <a:t>9/7/2021</a:t>
             </a:fld>
             <a:endParaRPr lang="en-US"/>
           </a:p>
@@ -10358,7 +10358,7 @@
             </a:pPr>
             <a:r>
               <a:rPr lang="en-US" dirty="0"/>
-              <a:t>Maggie Maurer</a:t>
+              <a:t>Brittany Minor</a:t>
             </a:r>
           </a:p>
           <a:p>
@@ -10368,7 +10368,7 @@
             </a:pPr>
             <a:r>
               <a:rPr lang="en-US" dirty="0"/>
-              <a:t>Charlie and Julie</a:t>
+              <a:t>Roopa Desai</a:t>
             </a:r>
           </a:p>
           <a:p>

--- a/course_material/week_01/01_Presentation.pptx
+++ b/course_material/week_01/01_Presentation.pptx
@@ -12,8 +12,8 @@
     <p:sldId id="257" r:id="rId3"/>
     <p:sldId id="258" r:id="rId4"/>
     <p:sldId id="259" r:id="rId5"/>
-    <p:sldId id="260" r:id="rId6"/>
-    <p:sldId id="261" r:id="rId7"/>
+    <p:sldId id="261" r:id="rId6"/>
+    <p:sldId id="260" r:id="rId7"/>
     <p:sldId id="262" r:id="rId8"/>
     <p:sldId id="265" r:id="rId9"/>
     <p:sldId id="264" r:id="rId10"/>
@@ -1558,24 +1558,32 @@
     </pc:docChg>
   </pc:docChgLst>
   <pc:docChgLst>
-    <pc:chgData name="Matthew Warner" userId="389b7aa93fe24cc9" providerId="Windows Live" clId="Web-{EFA17049-0C7F-48B7-BD93-99B23A522F43}"/>
-    <pc:docChg chg="modSld">
-      <pc:chgData name="Matthew Warner" userId="389b7aa93fe24cc9" providerId="Windows Live" clId="Web-{EFA17049-0C7F-48B7-BD93-99B23A522F43}" dt="2020-08-19T21:56:53.640" v="3" actId="20577"/>
+    <pc:chgData name="Matthew Warner" userId="389b7aa93fe24cc9" providerId="Windows Live" clId="Web-{982466DD-6CA6-4829-8677-8121BEBBE42F}"/>
+    <pc:docChg chg="addSld modSld">
+      <pc:chgData name="Matthew Warner" userId="389b7aa93fe24cc9" providerId="Windows Live" clId="Web-{982466DD-6CA6-4829-8677-8121BEBBE42F}" dt="2020-08-17T21:56:35.533" v="717" actId="20577"/>
       <pc:docMkLst>
         <pc:docMk/>
       </pc:docMkLst>
-      <pc:sldChg chg="modSp">
-        <pc:chgData name="Matthew Warner" userId="389b7aa93fe24cc9" providerId="Windows Live" clId="Web-{EFA17049-0C7F-48B7-BD93-99B23A522F43}" dt="2020-08-19T21:56:53.640" v="2" actId="20577"/>
+      <pc:sldChg chg="modSp new">
+        <pc:chgData name="Matthew Warner" userId="389b7aa93fe24cc9" providerId="Windows Live" clId="Web-{982466DD-6CA6-4829-8677-8121BEBBE42F}" dt="2020-08-17T21:54:18.167" v="716" actId="20577"/>
         <pc:sldMkLst>
           <pc:docMk/>
-          <pc:sldMk cId="3854308777" sldId="258"/>
+          <pc:sldMk cId="3682780387" sldId="269"/>
         </pc:sldMkLst>
         <pc:spChg chg="mod">
-          <ac:chgData name="Matthew Warner" userId="389b7aa93fe24cc9" providerId="Windows Live" clId="Web-{EFA17049-0C7F-48B7-BD93-99B23A522F43}" dt="2020-08-19T21:56:53.640" v="2" actId="20577"/>
+          <ac:chgData name="Matthew Warner" userId="389b7aa93fe24cc9" providerId="Windows Live" clId="Web-{982466DD-6CA6-4829-8677-8121BEBBE42F}" dt="2020-08-17T21:49:03.040" v="11" actId="1076"/>
           <ac:spMkLst>
             <pc:docMk/>
-            <pc:sldMk cId="3854308777" sldId="258"/>
-            <ac:spMk id="3" creationId="{DE1805A6-F933-491C-96A0-14F614A26A88}"/>
+            <pc:sldMk cId="3682780387" sldId="269"/>
+            <ac:spMk id="2" creationId="{EF27FBFE-8268-4F9A-BCE8-38B64A24927B}"/>
+          </ac:spMkLst>
+        </pc:spChg>
+        <pc:spChg chg="mod">
+          <ac:chgData name="Matthew Warner" userId="389b7aa93fe24cc9" providerId="Windows Live" clId="Web-{982466DD-6CA6-4829-8677-8121BEBBE42F}" dt="2020-08-17T21:54:18.167" v="716" actId="20577"/>
+          <ac:spMkLst>
+            <pc:docMk/>
+            <pc:sldMk cId="3682780387" sldId="269"/>
+            <ac:spMk id="3" creationId="{1A832535-BBA3-4CE2-8CAC-C3E1EF98EE79}"/>
           </ac:spMkLst>
         </pc:spChg>
       </pc:sldChg>
@@ -1653,32 +1661,24 @@
     </pc:docChg>
   </pc:docChgLst>
   <pc:docChgLst>
-    <pc:chgData name="Matthew Warner" userId="389b7aa93fe24cc9" providerId="Windows Live" clId="Web-{982466DD-6CA6-4829-8677-8121BEBBE42F}"/>
-    <pc:docChg chg="addSld modSld">
-      <pc:chgData name="Matthew Warner" userId="389b7aa93fe24cc9" providerId="Windows Live" clId="Web-{982466DD-6CA6-4829-8677-8121BEBBE42F}" dt="2020-08-17T21:56:35.533" v="717" actId="20577"/>
+    <pc:chgData name="Matthew Warner" userId="389b7aa93fe24cc9" providerId="Windows Live" clId="Web-{EFA17049-0C7F-48B7-BD93-99B23A522F43}"/>
+    <pc:docChg chg="modSld">
+      <pc:chgData name="Matthew Warner" userId="389b7aa93fe24cc9" providerId="Windows Live" clId="Web-{EFA17049-0C7F-48B7-BD93-99B23A522F43}" dt="2020-08-19T21:56:53.640" v="3" actId="20577"/>
       <pc:docMkLst>
         <pc:docMk/>
       </pc:docMkLst>
-      <pc:sldChg chg="modSp new">
-        <pc:chgData name="Matthew Warner" userId="389b7aa93fe24cc9" providerId="Windows Live" clId="Web-{982466DD-6CA6-4829-8677-8121BEBBE42F}" dt="2020-08-17T21:54:18.167" v="716" actId="20577"/>
+      <pc:sldChg chg="modSp">
+        <pc:chgData name="Matthew Warner" userId="389b7aa93fe24cc9" providerId="Windows Live" clId="Web-{EFA17049-0C7F-48B7-BD93-99B23A522F43}" dt="2020-08-19T21:56:53.640" v="2" actId="20577"/>
         <pc:sldMkLst>
           <pc:docMk/>
-          <pc:sldMk cId="3682780387" sldId="269"/>
+          <pc:sldMk cId="3854308777" sldId="258"/>
         </pc:sldMkLst>
         <pc:spChg chg="mod">
-          <ac:chgData name="Matthew Warner" userId="389b7aa93fe24cc9" providerId="Windows Live" clId="Web-{982466DD-6CA6-4829-8677-8121BEBBE42F}" dt="2020-08-17T21:49:03.040" v="11" actId="1076"/>
+          <ac:chgData name="Matthew Warner" userId="389b7aa93fe24cc9" providerId="Windows Live" clId="Web-{EFA17049-0C7F-48B7-BD93-99B23A522F43}" dt="2020-08-19T21:56:53.640" v="2" actId="20577"/>
           <ac:spMkLst>
             <pc:docMk/>
-            <pc:sldMk cId="3682780387" sldId="269"/>
-            <ac:spMk id="2" creationId="{EF27FBFE-8268-4F9A-BCE8-38B64A24927B}"/>
-          </ac:spMkLst>
-        </pc:spChg>
-        <pc:spChg chg="mod">
-          <ac:chgData name="Matthew Warner" userId="389b7aa93fe24cc9" providerId="Windows Live" clId="Web-{982466DD-6CA6-4829-8677-8121BEBBE42F}" dt="2020-08-17T21:54:18.167" v="716" actId="20577"/>
-          <ac:spMkLst>
-            <pc:docMk/>
-            <pc:sldMk cId="3682780387" sldId="269"/>
-            <ac:spMk id="3" creationId="{1A832535-BBA3-4CE2-8CAC-C3E1EF98EE79}"/>
+            <pc:sldMk cId="3854308777" sldId="258"/>
+            <ac:spMk id="3" creationId="{DE1805A6-F933-491C-96A0-14F614A26A88}"/>
           </ac:spMkLst>
         </pc:spChg>
       </pc:sldChg>
@@ -2182,7 +2182,7 @@
           <a:p>
             <a:fld id="{0D815154-CDFD-4C23-9D33-E83F0FAADAA2}" type="datetimeFigureOut">
               <a:rPr lang="en-US" smtClean="0"/>
-              <a:t>9/7/2021</a:t>
+              <a:t>9/13/2021</a:t>
             </a:fld>
             <a:endParaRPr lang="en-US"/>
           </a:p>
@@ -2725,7 +2725,7 @@
           <a:p>
             <a:fld id="{4AAD347D-5ACD-4C99-B74B-A9C85AD731AF}" type="datetimeFigureOut">
               <a:rPr lang="en-US" dirty="0"/>
-              <a:t>9/7/2021</a:t>
+              <a:t>9/13/2021</a:t>
             </a:fld>
             <a:endParaRPr lang="en-US"/>
           </a:p>
@@ -2995,7 +2995,7 @@
           <a:p>
             <a:fld id="{4509A250-FF31-4206-8172-F9D3106AACB1}" type="datetimeFigureOut">
               <a:rPr lang="en-US" dirty="0"/>
-              <a:t>9/7/2021</a:t>
+              <a:t>9/13/2021</a:t>
             </a:fld>
             <a:endParaRPr lang="en-US"/>
           </a:p>
@@ -3188,7 +3188,7 @@
           <a:p>
             <a:fld id="{4509A250-FF31-4206-8172-F9D3106AACB1}" type="datetimeFigureOut">
               <a:rPr lang="en-US" dirty="0"/>
-              <a:t>9/7/2021</a:t>
+              <a:t>9/13/2021</a:t>
             </a:fld>
             <a:endParaRPr lang="en-US"/>
           </a:p>
@@ -3460,7 +3460,7 @@
           <a:p>
             <a:fld id="{4509A250-FF31-4206-8172-F9D3106AACB1}" type="datetimeFigureOut">
               <a:rPr lang="en-US" dirty="0"/>
-              <a:t>9/7/2021</a:t>
+              <a:t>9/13/2021</a:t>
             </a:fld>
             <a:endParaRPr lang="en-US"/>
           </a:p>
@@ -3800,7 +3800,7 @@
           <a:p>
             <a:fld id="{4509A250-FF31-4206-8172-F9D3106AACB1}" type="datetimeFigureOut">
               <a:rPr lang="en-US" dirty="0"/>
-              <a:t>9/7/2021</a:t>
+              <a:t>9/13/2021</a:t>
             </a:fld>
             <a:endParaRPr lang="en-US"/>
           </a:p>
@@ -4422,7 +4422,7 @@
           <a:p>
             <a:fld id="{4509A250-FF31-4206-8172-F9D3106AACB1}" type="datetimeFigureOut">
               <a:rPr lang="en-US" dirty="0"/>
-              <a:t>9/7/2021</a:t>
+              <a:t>9/13/2021</a:t>
             </a:fld>
             <a:endParaRPr lang="en-US"/>
           </a:p>
@@ -5269,7 +5269,7 @@
           <a:p>
             <a:fld id="{4509A250-FF31-4206-8172-F9D3106AACB1}" type="datetimeFigureOut">
               <a:rPr lang="en-US" dirty="0"/>
-              <a:t>9/7/2021</a:t>
+              <a:t>9/13/2021</a:t>
             </a:fld>
             <a:endParaRPr lang="en-US"/>
           </a:p>
@@ -5437,7 +5437,7 @@
           <a:p>
             <a:fld id="{4509A250-FF31-4206-8172-F9D3106AACB1}" type="datetimeFigureOut">
               <a:rPr lang="en-US" dirty="0"/>
-              <a:t>9/7/2021</a:t>
+              <a:t>9/13/2021</a:t>
             </a:fld>
             <a:endParaRPr lang="en-US"/>
           </a:p>
@@ -5615,7 +5615,7 @@
           <a:p>
             <a:fld id="{4509A250-FF31-4206-8172-F9D3106AACB1}" type="datetimeFigureOut">
               <a:rPr lang="en-US" dirty="0"/>
-              <a:t>9/7/2021</a:t>
+              <a:t>9/13/2021</a:t>
             </a:fld>
             <a:endParaRPr lang="en-US"/>
           </a:p>
@@ -5783,7 +5783,7 @@
           <a:p>
             <a:fld id="{4509A250-FF31-4206-8172-F9D3106AACB1}" type="datetimeFigureOut">
               <a:rPr lang="en-US" dirty="0"/>
-              <a:t>9/7/2021</a:t>
+              <a:t>9/13/2021</a:t>
             </a:fld>
             <a:endParaRPr lang="en-US"/>
           </a:p>
@@ -6029,7 +6029,7 @@
           <a:p>
             <a:fld id="{9796027F-7875-4030-9381-8BD8C4F21935}" type="datetimeFigureOut">
               <a:rPr lang="en-US" dirty="0"/>
-              <a:t>9/7/2021</a:t>
+              <a:t>9/13/2021</a:t>
             </a:fld>
             <a:endParaRPr lang="en-US"/>
           </a:p>
@@ -6318,7 +6318,7 @@
           <a:p>
             <a:fld id="{9796027F-7875-4030-9381-8BD8C4F21935}" type="datetimeFigureOut">
               <a:rPr lang="en-US" dirty="0"/>
-              <a:t>9/7/2021</a:t>
+              <a:t>9/13/2021</a:t>
             </a:fld>
             <a:endParaRPr lang="en-US"/>
           </a:p>
@@ -6759,7 +6759,7 @@
           <a:p>
             <a:fld id="{9796027F-7875-4030-9381-8BD8C4F21935}" type="datetimeFigureOut">
               <a:rPr lang="en-US" dirty="0"/>
-              <a:t>9/7/2021</a:t>
+              <a:t>9/13/2021</a:t>
             </a:fld>
             <a:endParaRPr lang="en-US"/>
           </a:p>
@@ -6876,7 +6876,7 @@
           <a:p>
             <a:fld id="{4509A250-FF31-4206-8172-F9D3106AACB1}" type="datetimeFigureOut">
               <a:rPr lang="en-US" dirty="0"/>
-              <a:t>9/7/2021</a:t>
+              <a:t>9/13/2021</a:t>
             </a:fld>
             <a:endParaRPr lang="en-US"/>
           </a:p>
@@ -6971,7 +6971,7 @@
           <a:p>
             <a:fld id="{4509A250-FF31-4206-8172-F9D3106AACB1}" type="datetimeFigureOut">
               <a:rPr lang="en-US" dirty="0"/>
-              <a:t>9/7/2021</a:t>
+              <a:t>9/13/2021</a:t>
             </a:fld>
             <a:endParaRPr lang="en-US"/>
           </a:p>
@@ -7248,7 +7248,7 @@
           <a:p>
             <a:fld id="{4509A250-FF31-4206-8172-F9D3106AACB1}" type="datetimeFigureOut">
               <a:rPr lang="en-US" dirty="0"/>
-              <a:t>9/7/2021</a:t>
+              <a:t>9/13/2021</a:t>
             </a:fld>
             <a:endParaRPr lang="en-US"/>
           </a:p>
@@ -7518,7 +7518,7 @@
           <a:p>
             <a:fld id="{4509A250-FF31-4206-8172-F9D3106AACB1}" type="datetimeFigureOut">
               <a:rPr lang="en-US" dirty="0"/>
-              <a:t>9/7/2021</a:t>
+              <a:t>9/13/2021</a:t>
             </a:fld>
             <a:endParaRPr lang="en-US"/>
           </a:p>
@@ -7945,7 +7945,7 @@
           <a:p>
             <a:fld id="{4AAD347D-5ACD-4C99-B74B-A9C85AD731AF}" type="datetimeFigureOut">
               <a:rPr lang="en-US" dirty="0"/>
-              <a:t>9/7/2021</a:t>
+              <a:t>9/13/2021</a:t>
             </a:fld>
             <a:endParaRPr lang="en-US"/>
           </a:p>
@@ -9334,9 +9334,10 @@
           <a:p>
             <a:pPr lvl="2"/>
             <a:r>
-              <a:rPr lang="en-US" dirty="0"/>
-              <a:t>Git push origin master</a:t>
-            </a:r>
+              <a:rPr lang="en-US"/>
+              <a:t>Git push</a:t>
+            </a:r>
+            <a:endParaRPr lang="en-US" dirty="0"/>
           </a:p>
         </p:txBody>
       </p:sp>
@@ -9498,7 +9499,7 @@
           <a:p>
             <a:r>
               <a:rPr lang="en-US" dirty="0"/>
-              <a:t>Practice Data types</a:t>
+              <a:t>In Class Activity: 30 mins</a:t>
             </a:r>
           </a:p>
         </p:txBody>
@@ -10557,7 +10558,7 @@
           <p:cNvPr id="2" name="Title 1">
             <a:extLst>
               <a:ext uri="{FF2B5EF4-FFF2-40B4-BE49-F238E27FC236}">
-                <a16:creationId xmlns:a16="http://schemas.microsoft.com/office/drawing/2014/main" id="{0F1936F0-68C2-4E59-AB64-C64194A05D0B}"/>
+                <a16:creationId xmlns:a16="http://schemas.microsoft.com/office/drawing/2014/main" id="{1BF80977-2CC0-4076-AD86-551E451C3852}"/>
               </a:ext>
             </a:extLst>
           </p:cNvPr>
@@ -10570,7 +10571,7 @@
         </p:nvSpPr>
         <p:spPr>
           <a:xfrm>
-            <a:off x="110652" y="-31255"/>
+            <a:off x="-2619" y="30529"/>
             <a:ext cx="9404723" cy="1400530"/>
           </a:xfrm>
         </p:spPr>
@@ -10580,7 +10581,7 @@
           <a:p>
             <a:r>
               <a:rPr lang="en-US"/>
-              <a:t>Tool Installation</a:t>
+              <a:t>Is Your System 32 bit or 64 bit? </a:t>
             </a:r>
           </a:p>
         </p:txBody>
@@ -10590,7 +10591,7 @@
           <p:cNvPr id="3" name="Content Placeholder 2">
             <a:extLst>
               <a:ext uri="{FF2B5EF4-FFF2-40B4-BE49-F238E27FC236}">
-                <a16:creationId xmlns:a16="http://schemas.microsoft.com/office/drawing/2014/main" id="{1B503060-CA6F-4A36-ABD8-16127B6BFC8A}"/>
+                <a16:creationId xmlns:a16="http://schemas.microsoft.com/office/drawing/2014/main" id="{9D5D6758-4C75-4200-9125-59AD1A25BCAB}"/>
               </a:ext>
             </a:extLst>
           </p:cNvPr>
@@ -10603,13 +10604,13 @@
         </p:nvSpPr>
         <p:spPr>
           <a:xfrm>
-            <a:off x="114771" y="796648"/>
-            <a:ext cx="12076918" cy="5822453"/>
+            <a:off x="331015" y="982000"/>
+            <a:ext cx="8946541" cy="4195481"/>
           </a:xfrm>
         </p:spPr>
         <p:txBody>
           <a:bodyPr vert="horz" lIns="91440" tIns="45720" rIns="91440" bIns="45720" rtlCol="0" anchor="t">
-            <a:normAutofit fontScale="92500" lnSpcReduction="10000"/>
+            <a:normAutofit/>
           </a:bodyPr>
           <a:lstStyle/>
           <a:p>
@@ -10618,8 +10619,28 @@
               <a:buChar char="•"/>
             </a:pPr>
             <a:r>
-              <a:rPr lang="en-US" dirty="0"/>
-              <a:t>Please read and follow installation instructions carefully. </a:t>
+              <a:rPr lang="en-US"/>
+              <a:t>Your computer is either 32 bit or 64 bit. </a:t>
+            </a:r>
+          </a:p>
+          <a:p>
+            <a:pPr lvl="1" indent="-342900">
+              <a:buFont typeface="Arial" charset="2"/>
+              <a:buChar char="•"/>
+            </a:pPr>
+            <a:r>
+              <a:rPr lang="en-US"/>
+              <a:t>64 bit can run 32 bit programs but not vice versa</a:t>
+            </a:r>
+          </a:p>
+          <a:p>
+            <a:pPr lvl="1">
+              <a:buFont typeface="Arial" charset="2"/>
+              <a:buChar char="•"/>
+            </a:pPr>
+            <a:r>
+              <a:rPr lang="en-US"/>
+              <a:t>You need to install 64 bit if you have it to avoid problems later.</a:t>
             </a:r>
           </a:p>
           <a:p>
@@ -10628,8 +10649,8 @@
               <a:buChar char="•"/>
             </a:pPr>
             <a:r>
-              <a:rPr lang="en-US" dirty="0"/>
-              <a:t>It's a pain to reconfigure these if they are setup incorrectly. </a:t>
+              <a:rPr lang="en-US"/>
+              <a:t>You will need to install either 32 bit or 64 bit files</a:t>
             </a:r>
           </a:p>
           <a:p>
@@ -10638,8 +10659,8 @@
               <a:buChar char="•"/>
             </a:pPr>
             <a:r>
-              <a:rPr lang="en-US" dirty="0"/>
-              <a:t>This may take a while and there may be issues...</a:t>
+              <a:rPr lang="en-US"/>
+              <a:t>If you are a PC user and don't have Windows 10 let your instructors know</a:t>
             </a:r>
           </a:p>
           <a:p>
@@ -10648,8 +10669,8 @@
               <a:buChar char="•"/>
             </a:pPr>
             <a:r>
-              <a:rPr lang="en-US" dirty="0"/>
-              <a:t>Tools to install:</a:t>
+              <a:rPr lang="en-US"/>
+              <a:t>If you are a Mac User and 32-bit let your mentors know!</a:t>
             </a:r>
           </a:p>
           <a:p>
@@ -10658,186 +10679,103 @@
               <a:buChar char="•"/>
             </a:pPr>
             <a:r>
-              <a:rPr lang="en-US" dirty="0"/>
-              <a:t>Python 3.8</a:t>
-            </a:r>
-          </a:p>
-          <a:p>
-            <a:pPr lvl="2">
-              <a:buFont typeface="Arial" charset="2"/>
-              <a:buChar char="•"/>
-            </a:pPr>
-            <a:r>
-              <a:rPr lang="en-US" dirty="0"/>
-              <a:t>If you already have python 3.X please consider adding 3.8. </a:t>
-            </a:r>
-          </a:p>
-          <a:p>
-            <a:pPr lvl="2">
-              <a:buFont typeface="Arial" charset="2"/>
-              <a:buChar char="•"/>
-            </a:pPr>
-            <a:r>
-              <a:rPr lang="en-US" dirty="0"/>
-              <a:t>Anything newer/older may have compatibility issues. It's your call though.</a:t>
-            </a:r>
-          </a:p>
-          <a:p>
-            <a:pPr lvl="2">
-              <a:buFont typeface="Arial" charset="2"/>
-              <a:buChar char="•"/>
-            </a:pPr>
-            <a:r>
-              <a:rPr lang="en-US" dirty="0"/>
-              <a:t>Python 2.X will not work.</a:t>
-            </a:r>
-          </a:p>
-          <a:p>
-            <a:pPr lvl="1">
-              <a:buFont typeface="Arial" charset="2"/>
-              <a:buChar char="•"/>
-            </a:pPr>
-            <a:r>
-              <a:rPr lang="en-US" dirty="0"/>
-              <a:t>Pip </a:t>
-            </a:r>
-          </a:p>
-          <a:p>
-            <a:pPr lvl="2">
-              <a:buFont typeface="Arial" charset="2"/>
-              <a:buChar char="•"/>
-            </a:pPr>
-            <a:r>
-              <a:rPr lang="en-US" dirty="0"/>
-              <a:t>Python's package manager. Only needed if it doesn’t come with Python</a:t>
-            </a:r>
-          </a:p>
-          <a:p>
-            <a:pPr lvl="1">
-              <a:buFont typeface="Arial" charset="2"/>
-              <a:buChar char="•"/>
-            </a:pPr>
-            <a:r>
-              <a:rPr lang="en-US" dirty="0"/>
-              <a:t>Git-bash</a:t>
-            </a:r>
-          </a:p>
-          <a:p>
-            <a:pPr lvl="2">
-              <a:buFont typeface="Arial" charset="2"/>
-              <a:buChar char="•"/>
-            </a:pPr>
-            <a:r>
-              <a:rPr lang="en-US" dirty="0"/>
-              <a:t>Version control and a </a:t>
-            </a:r>
-            <a:r>
-              <a:rPr lang="en-US" dirty="0" err="1"/>
-              <a:t>linux</a:t>
-            </a:r>
-            <a:r>
-              <a:rPr lang="en-US" dirty="0"/>
-              <a:t> terminal emulator. (Macs already have Terminal)</a:t>
-            </a:r>
-          </a:p>
-          <a:p>
-            <a:pPr lvl="1">
-              <a:buFont typeface="Arial" charset="2"/>
-              <a:buChar char="•"/>
-            </a:pPr>
-            <a:r>
-              <a:rPr lang="en-US" dirty="0" err="1"/>
-              <a:t>VSCode</a:t>
-            </a:r>
-            <a:endParaRPr lang="en-US" dirty="0"/>
-          </a:p>
-          <a:p>
-            <a:pPr lvl="2">
-              <a:buFont typeface="Arial" charset="2"/>
-              <a:buChar char="•"/>
-            </a:pPr>
-            <a:r>
-              <a:rPr lang="en-US" dirty="0"/>
-              <a:t>Popular text editor. If you already have a favorite text editor (other than </a:t>
-            </a:r>
-            <a:r>
-              <a:rPr lang="en-US" dirty="0" err="1"/>
-              <a:t>Jupyter</a:t>
-            </a:r>
-            <a:r>
-              <a:rPr lang="en-US" dirty="0"/>
-              <a:t>) it's not required.</a:t>
-            </a:r>
-          </a:p>
-          <a:p>
-            <a:pPr lvl="1">
-              <a:buFont typeface="Arial" charset="2"/>
-              <a:buChar char="•"/>
-            </a:pPr>
-            <a:r>
-              <a:rPr lang="en-US" dirty="0"/>
-              <a:t>Pip installs</a:t>
-            </a:r>
-          </a:p>
-          <a:p>
-            <a:pPr lvl="2">
-              <a:buFont typeface="Arial" charset="2"/>
-              <a:buChar char="•"/>
-            </a:pPr>
-            <a:r>
-              <a:rPr lang="en-US" dirty="0"/>
-              <a:t>Install </a:t>
-            </a:r>
-            <a:r>
-              <a:rPr lang="en-US" dirty="0" err="1"/>
-              <a:t>Jupyter</a:t>
-            </a:r>
-            <a:r>
-              <a:rPr lang="en-US" dirty="0"/>
-              <a:t> and </a:t>
-            </a:r>
-            <a:r>
-              <a:rPr lang="en-US" dirty="0" err="1"/>
-              <a:t>Jupyter</a:t>
-            </a:r>
-            <a:r>
-              <a:rPr lang="en-US" dirty="0"/>
-              <a:t> lab</a:t>
-            </a:r>
-          </a:p>
-          <a:p>
-            <a:pPr lvl="1">
-              <a:buFont typeface="Arial" charset="2"/>
-              <a:buChar char="•"/>
-            </a:pPr>
-            <a:endParaRPr lang="en-US" dirty="0"/>
-          </a:p>
-          <a:p>
-            <a:pPr lvl="2">
-              <a:buFont typeface="Arial" charset="2"/>
-              <a:buChar char="•"/>
-            </a:pPr>
-            <a:endParaRPr lang="en-US" dirty="0"/>
-          </a:p>
-          <a:p>
-            <a:pPr lvl="1">
-              <a:buFont typeface="Arial" charset="2"/>
-              <a:buChar char="•"/>
-            </a:pPr>
-            <a:endParaRPr lang="en-US" dirty="0"/>
-          </a:p>
-          <a:p>
-            <a:pPr marL="0" indent="0">
-              <a:buNone/>
-            </a:pPr>
-            <a:endParaRPr lang="en-US" dirty="0"/>
+              <a:rPr lang="en-US"/>
+              <a:t>This Mac Links are for 64 bit only!</a:t>
+            </a:r>
+          </a:p>
+        </p:txBody>
+      </p:sp>
+      <p:sp>
+        <p:nvSpPr>
+          <p:cNvPr id="5" name="TextBox 4">
+            <a:extLst>
+              <a:ext uri="{FF2B5EF4-FFF2-40B4-BE49-F238E27FC236}">
+                <a16:creationId xmlns:a16="http://schemas.microsoft.com/office/drawing/2014/main" id="{BC082CC8-DB23-4CDD-BECC-8773E1E3A02E}"/>
+              </a:ext>
+            </a:extLst>
+          </p:cNvPr>
+          <p:cNvSpPr txBox="1"/>
+          <p:nvPr/>
+        </p:nvSpPr>
+        <p:spPr>
+          <a:xfrm>
+            <a:off x="6257807" y="4997215"/>
+            <a:ext cx="2743200" cy="369332"/>
+          </a:xfrm>
+          <a:prstGeom prst="rect">
+            <a:avLst/>
+          </a:prstGeom>
+          <a:noFill/>
+        </p:spPr>
+        <p:txBody>
+          <a:bodyPr rot="0" spcFirstLastPara="0" vertOverflow="overflow" horzOverflow="overflow" vert="horz" wrap="square" lIns="91440" tIns="45720" rIns="91440" bIns="45720" numCol="1" spcCol="0" rtlCol="0" fromWordArt="0" anchor="t" anchorCtr="0" forceAA="0" compatLnSpc="1">
+            <a:prstTxWarp prst="textNoShape">
+              <a:avLst/>
+            </a:prstTxWarp>
+            <a:spAutoFit/>
+          </a:bodyPr>
+          <a:lstStyle/>
+          <a:p>
+            <a:r>
+              <a:rPr lang="en-US">
+                <a:hlinkClick r:id="rId2"/>
+              </a:rPr>
+              <a:t>Mac Users Click Here</a:t>
+            </a:r>
+            <a:endParaRPr lang="en-US"/>
+          </a:p>
+        </p:txBody>
+      </p:sp>
+      <p:sp>
+        <p:nvSpPr>
+          <p:cNvPr id="6" name="TextBox 5">
+            <a:extLst>
+              <a:ext uri="{FF2B5EF4-FFF2-40B4-BE49-F238E27FC236}">
+                <a16:creationId xmlns:a16="http://schemas.microsoft.com/office/drawing/2014/main" id="{60DA5C5A-93B1-4A76-BE8D-9596B92BBC95}"/>
+              </a:ext>
+            </a:extLst>
+          </p:cNvPr>
+          <p:cNvSpPr txBox="1"/>
+          <p:nvPr/>
+        </p:nvSpPr>
+        <p:spPr>
+          <a:xfrm>
+            <a:off x="1000831" y="4998978"/>
+            <a:ext cx="3909718" cy="646331"/>
+          </a:xfrm>
+          <a:prstGeom prst="rect">
+            <a:avLst/>
+          </a:prstGeom>
+          <a:noFill/>
+        </p:spPr>
+        <p:txBody>
+          <a:bodyPr rot="0" spcFirstLastPara="0" vertOverflow="overflow" horzOverflow="overflow" vert="horz" wrap="square" lIns="91440" tIns="45720" rIns="91440" bIns="45720" numCol="1" spcCol="0" rtlCol="0" fromWordArt="0" anchor="t" anchorCtr="0" forceAA="0" compatLnSpc="1">
+            <a:prstTxWarp prst="textNoShape">
+              <a:avLst/>
+            </a:prstTxWarp>
+            <a:spAutoFit/>
+          </a:bodyPr>
+          <a:lstStyle/>
+          <a:p>
+            <a:r>
+              <a:rPr lang="en-US">
+                <a:ea typeface="+mn-lt"/>
+                <a:cs typeface="+mn-lt"/>
+                <a:hlinkClick r:id="rId3"/>
+              </a:rPr>
+              <a:t>Windows 10 Users Click Here</a:t>
+            </a:r>
+            <a:endParaRPr lang="en-US"/>
+          </a:p>
+          <a:p>
+            <a:endParaRPr lang="en-US"/>
           </a:p>
         </p:txBody>
       </p:sp>
     </p:spTree>
     <p:extLst>
       <p:ext uri="{BB962C8B-B14F-4D97-AF65-F5344CB8AC3E}">
-        <p14:creationId xmlns:p14="http://schemas.microsoft.com/office/powerpoint/2010/main" val="1554846686"/>
+        <p14:creationId xmlns:p14="http://schemas.microsoft.com/office/powerpoint/2010/main" val="3574142386"/>
       </p:ext>
     </p:extLst>
   </p:cSld>
@@ -10869,7 +10807,7 @@
           <p:cNvPr id="2" name="Title 1">
             <a:extLst>
               <a:ext uri="{FF2B5EF4-FFF2-40B4-BE49-F238E27FC236}">
-                <a16:creationId xmlns:a16="http://schemas.microsoft.com/office/drawing/2014/main" id="{1BF80977-2CC0-4076-AD86-551E451C3852}"/>
+                <a16:creationId xmlns:a16="http://schemas.microsoft.com/office/drawing/2014/main" id="{0F1936F0-68C2-4E59-AB64-C64194A05D0B}"/>
               </a:ext>
             </a:extLst>
           </p:cNvPr>
@@ -10882,7 +10820,7 @@
         </p:nvSpPr>
         <p:spPr>
           <a:xfrm>
-            <a:off x="-2619" y="30529"/>
+            <a:off x="110652" y="-31255"/>
             <a:ext cx="9404723" cy="1400530"/>
           </a:xfrm>
         </p:spPr>
@@ -10892,7 +10830,7 @@
           <a:p>
             <a:r>
               <a:rPr lang="en-US"/>
-              <a:t>Is Your System 32 bit or 64 bit? </a:t>
+              <a:t>Tool Installation</a:t>
             </a:r>
           </a:p>
         </p:txBody>
@@ -10902,7 +10840,7 @@
           <p:cNvPr id="3" name="Content Placeholder 2">
             <a:extLst>
               <a:ext uri="{FF2B5EF4-FFF2-40B4-BE49-F238E27FC236}">
-                <a16:creationId xmlns:a16="http://schemas.microsoft.com/office/drawing/2014/main" id="{9D5D6758-4C75-4200-9125-59AD1A25BCAB}"/>
+                <a16:creationId xmlns:a16="http://schemas.microsoft.com/office/drawing/2014/main" id="{1B503060-CA6F-4A36-ABD8-16127B6BFC8A}"/>
               </a:ext>
             </a:extLst>
           </p:cNvPr>
@@ -10915,13 +10853,13 @@
         </p:nvSpPr>
         <p:spPr>
           <a:xfrm>
-            <a:off x="331015" y="982000"/>
-            <a:ext cx="8946541" cy="4195481"/>
+            <a:off x="114771" y="796648"/>
+            <a:ext cx="12076918" cy="5822453"/>
           </a:xfrm>
         </p:spPr>
         <p:txBody>
           <a:bodyPr vert="horz" lIns="91440" tIns="45720" rIns="91440" bIns="45720" rtlCol="0" anchor="t">
-            <a:normAutofit/>
+            <a:normAutofit fontScale="92500" lnSpcReduction="10000"/>
           </a:bodyPr>
           <a:lstStyle/>
           <a:p>
@@ -10930,18 +10868,38 @@
               <a:buChar char="•"/>
             </a:pPr>
             <a:r>
-              <a:rPr lang="en-US"/>
-              <a:t>Your computer is either 32 bit or 64 bit. </a:t>
-            </a:r>
-          </a:p>
-          <a:p>
-            <a:pPr lvl="1" indent="-342900">
+              <a:rPr lang="en-US" dirty="0"/>
+              <a:t>Please read and follow installation instructions carefully. </a:t>
+            </a:r>
+          </a:p>
+          <a:p>
+            <a:pPr>
               <a:buFont typeface="Arial" charset="2"/>
               <a:buChar char="•"/>
             </a:pPr>
             <a:r>
-              <a:rPr lang="en-US"/>
-              <a:t>64 bit can run 32 bit programs but not vice versa</a:t>
+              <a:rPr lang="en-US" dirty="0"/>
+              <a:t>It's a pain to reconfigure these if they are setup incorrectly. </a:t>
+            </a:r>
+          </a:p>
+          <a:p>
+            <a:pPr>
+              <a:buFont typeface="Arial" charset="2"/>
+              <a:buChar char="•"/>
+            </a:pPr>
+            <a:r>
+              <a:rPr lang="en-US" dirty="0"/>
+              <a:t>This may take a while and there may be issues...</a:t>
+            </a:r>
+          </a:p>
+          <a:p>
+            <a:pPr>
+              <a:buFont typeface="Arial" charset="2"/>
+              <a:buChar char="•"/>
+            </a:pPr>
+            <a:r>
+              <a:rPr lang="en-US" dirty="0"/>
+              <a:t>Tools to install:</a:t>
             </a:r>
           </a:p>
           <a:p>
@@ -10950,38 +10908,38 @@
               <a:buChar char="•"/>
             </a:pPr>
             <a:r>
-              <a:rPr lang="en-US"/>
-              <a:t>You need to install 64 bit if you have it to avoid problems later.</a:t>
-            </a:r>
-          </a:p>
-          <a:p>
-            <a:pPr>
+              <a:rPr lang="en-US" dirty="0"/>
+              <a:t>Python 3.8</a:t>
+            </a:r>
+          </a:p>
+          <a:p>
+            <a:pPr lvl="2">
               <a:buFont typeface="Arial" charset="2"/>
               <a:buChar char="•"/>
             </a:pPr>
             <a:r>
-              <a:rPr lang="en-US"/>
-              <a:t>You will need to install either 32 bit or 64 bit files</a:t>
-            </a:r>
-          </a:p>
-          <a:p>
-            <a:pPr>
+              <a:rPr lang="en-US" dirty="0"/>
+              <a:t>If you already have python 3.X please consider adding 3.8. </a:t>
+            </a:r>
+          </a:p>
+          <a:p>
+            <a:pPr lvl="2">
               <a:buFont typeface="Arial" charset="2"/>
               <a:buChar char="•"/>
             </a:pPr>
             <a:r>
-              <a:rPr lang="en-US"/>
-              <a:t>If you are a PC user and don't have Windows 10 let your instructors know</a:t>
-            </a:r>
-          </a:p>
-          <a:p>
-            <a:pPr>
+              <a:rPr lang="en-US" dirty="0"/>
+              <a:t>Anything newer/older may have compatibility issues. It's your call though.</a:t>
+            </a:r>
+          </a:p>
+          <a:p>
+            <a:pPr lvl="2">
               <a:buFont typeface="Arial" charset="2"/>
               <a:buChar char="•"/>
             </a:pPr>
             <a:r>
-              <a:rPr lang="en-US"/>
-              <a:t>If you are a Mac User and 32-bit let your mentors know!</a:t>
+              <a:rPr lang="en-US" dirty="0"/>
+              <a:t>Python 2.X will not work.</a:t>
             </a:r>
           </a:p>
           <a:p>
@@ -10990,103 +10948,146 @@
               <a:buChar char="•"/>
             </a:pPr>
             <a:r>
-              <a:rPr lang="en-US"/>
-              <a:t>This Mac Links are for 64 bit only!</a:t>
-            </a:r>
-          </a:p>
-        </p:txBody>
-      </p:sp>
-      <p:sp>
-        <p:nvSpPr>
-          <p:cNvPr id="5" name="TextBox 4">
-            <a:extLst>
-              <a:ext uri="{FF2B5EF4-FFF2-40B4-BE49-F238E27FC236}">
-                <a16:creationId xmlns:a16="http://schemas.microsoft.com/office/drawing/2014/main" id="{BC082CC8-DB23-4CDD-BECC-8773E1E3A02E}"/>
-              </a:ext>
-            </a:extLst>
-          </p:cNvPr>
-          <p:cNvSpPr txBox="1"/>
-          <p:nvPr/>
-        </p:nvSpPr>
-        <p:spPr>
-          <a:xfrm>
-            <a:off x="6257807" y="4997215"/>
-            <a:ext cx="2743200" cy="369332"/>
-          </a:xfrm>
-          <a:prstGeom prst="rect">
-            <a:avLst/>
-          </a:prstGeom>
-          <a:noFill/>
-        </p:spPr>
-        <p:txBody>
-          <a:bodyPr rot="0" spcFirstLastPara="0" vertOverflow="overflow" horzOverflow="overflow" vert="horz" wrap="square" lIns="91440" tIns="45720" rIns="91440" bIns="45720" numCol="1" spcCol="0" rtlCol="0" fromWordArt="0" anchor="t" anchorCtr="0" forceAA="0" compatLnSpc="1">
-            <a:prstTxWarp prst="textNoShape">
-              <a:avLst/>
-            </a:prstTxWarp>
-            <a:spAutoFit/>
-          </a:bodyPr>
-          <a:lstStyle/>
-          <a:p>
-            <a:r>
-              <a:rPr lang="en-US">
-                <a:hlinkClick r:id="rId2"/>
-              </a:rPr>
-              <a:t>Mac Users Click Here</a:t>
-            </a:r>
-            <a:endParaRPr lang="en-US"/>
-          </a:p>
-        </p:txBody>
-      </p:sp>
-      <p:sp>
-        <p:nvSpPr>
-          <p:cNvPr id="6" name="TextBox 5">
-            <a:extLst>
-              <a:ext uri="{FF2B5EF4-FFF2-40B4-BE49-F238E27FC236}">
-                <a16:creationId xmlns:a16="http://schemas.microsoft.com/office/drawing/2014/main" id="{60DA5C5A-93B1-4A76-BE8D-9596B92BBC95}"/>
-              </a:ext>
-            </a:extLst>
-          </p:cNvPr>
-          <p:cNvSpPr txBox="1"/>
-          <p:nvPr/>
-        </p:nvSpPr>
-        <p:spPr>
-          <a:xfrm>
-            <a:off x="1000831" y="4998978"/>
-            <a:ext cx="3909718" cy="646331"/>
-          </a:xfrm>
-          <a:prstGeom prst="rect">
-            <a:avLst/>
-          </a:prstGeom>
-          <a:noFill/>
-        </p:spPr>
-        <p:txBody>
-          <a:bodyPr rot="0" spcFirstLastPara="0" vertOverflow="overflow" horzOverflow="overflow" vert="horz" wrap="square" lIns="91440" tIns="45720" rIns="91440" bIns="45720" numCol="1" spcCol="0" rtlCol="0" fromWordArt="0" anchor="t" anchorCtr="0" forceAA="0" compatLnSpc="1">
-            <a:prstTxWarp prst="textNoShape">
-              <a:avLst/>
-            </a:prstTxWarp>
-            <a:spAutoFit/>
-          </a:bodyPr>
-          <a:lstStyle/>
-          <a:p>
-            <a:r>
-              <a:rPr lang="en-US">
-                <a:ea typeface="+mn-lt"/>
-                <a:cs typeface="+mn-lt"/>
-                <a:hlinkClick r:id="rId3"/>
-              </a:rPr>
-              <a:t>Windows 10 Users Click Here</a:t>
-            </a:r>
-            <a:endParaRPr lang="en-US"/>
-          </a:p>
-          <a:p>
-            <a:endParaRPr lang="en-US"/>
+              <a:rPr lang="en-US" dirty="0"/>
+              <a:t>Pip </a:t>
+            </a:r>
+          </a:p>
+          <a:p>
+            <a:pPr lvl="2">
+              <a:buFont typeface="Arial" charset="2"/>
+              <a:buChar char="•"/>
+            </a:pPr>
+            <a:r>
+              <a:rPr lang="en-US" dirty="0"/>
+              <a:t>Python's package manager. Only needed if it doesn’t come with Python</a:t>
+            </a:r>
+          </a:p>
+          <a:p>
+            <a:pPr lvl="1">
+              <a:buFont typeface="Arial" charset="2"/>
+              <a:buChar char="•"/>
+            </a:pPr>
+            <a:r>
+              <a:rPr lang="en-US" dirty="0"/>
+              <a:t>Git-bash</a:t>
+            </a:r>
+          </a:p>
+          <a:p>
+            <a:pPr lvl="2">
+              <a:buFont typeface="Arial" charset="2"/>
+              <a:buChar char="•"/>
+            </a:pPr>
+            <a:r>
+              <a:rPr lang="en-US" dirty="0"/>
+              <a:t>Version control and a </a:t>
+            </a:r>
+            <a:r>
+              <a:rPr lang="en-US" dirty="0" err="1"/>
+              <a:t>linux</a:t>
+            </a:r>
+            <a:r>
+              <a:rPr lang="en-US" dirty="0"/>
+              <a:t> terminal emulator. (Macs already have Terminal)</a:t>
+            </a:r>
+          </a:p>
+          <a:p>
+            <a:pPr lvl="1">
+              <a:buFont typeface="Arial" charset="2"/>
+              <a:buChar char="•"/>
+            </a:pPr>
+            <a:r>
+              <a:rPr lang="en-US" dirty="0" err="1"/>
+              <a:t>VSCode</a:t>
+            </a:r>
+            <a:endParaRPr lang="en-US" dirty="0"/>
+          </a:p>
+          <a:p>
+            <a:pPr lvl="2">
+              <a:buFont typeface="Arial" charset="2"/>
+              <a:buChar char="•"/>
+            </a:pPr>
+            <a:r>
+              <a:rPr lang="en-US" dirty="0"/>
+              <a:t>Popular text editor. If you already have a favorite text editor (other than </a:t>
+            </a:r>
+            <a:r>
+              <a:rPr lang="en-US" dirty="0" err="1"/>
+              <a:t>Jupyter</a:t>
+            </a:r>
+            <a:r>
+              <a:rPr lang="en-US" dirty="0"/>
+              <a:t>) it's not required.</a:t>
+            </a:r>
+          </a:p>
+          <a:p>
+            <a:pPr lvl="1">
+              <a:buFont typeface="Arial" charset="2"/>
+              <a:buChar char="•"/>
+            </a:pPr>
+            <a:r>
+              <a:rPr lang="en-US" dirty="0"/>
+              <a:t>Pip installs</a:t>
+            </a:r>
+          </a:p>
+          <a:p>
+            <a:pPr lvl="2">
+              <a:buFont typeface="Arial" charset="2"/>
+              <a:buChar char="•"/>
+            </a:pPr>
+            <a:r>
+              <a:rPr lang="en-US" dirty="0"/>
+              <a:t>Install </a:t>
+            </a:r>
+            <a:r>
+              <a:rPr lang="en-US" dirty="0" err="1"/>
+              <a:t>Jupyter</a:t>
+            </a:r>
+            <a:r>
+              <a:rPr lang="en-US" dirty="0"/>
+              <a:t> and </a:t>
+            </a:r>
+            <a:r>
+              <a:rPr lang="en-US" dirty="0" err="1"/>
+              <a:t>Jupyter</a:t>
+            </a:r>
+            <a:r>
+              <a:rPr lang="en-US" dirty="0"/>
+              <a:t> lab</a:t>
+            </a:r>
+          </a:p>
+          <a:p>
+            <a:pPr lvl="1">
+              <a:buFont typeface="Arial" charset="2"/>
+              <a:buChar char="•"/>
+            </a:pPr>
+            <a:endParaRPr lang="en-US" dirty="0"/>
+          </a:p>
+          <a:p>
+            <a:pPr lvl="2">
+              <a:buFont typeface="Arial" charset="2"/>
+              <a:buChar char="•"/>
+            </a:pPr>
+            <a:endParaRPr lang="en-US" dirty="0"/>
+          </a:p>
+          <a:p>
+            <a:pPr lvl="1">
+              <a:buFont typeface="Arial" charset="2"/>
+              <a:buChar char="•"/>
+            </a:pPr>
+            <a:endParaRPr lang="en-US" dirty="0"/>
+          </a:p>
+          <a:p>
+            <a:pPr marL="0" indent="0">
+              <a:buNone/>
+            </a:pPr>
+            <a:endParaRPr lang="en-US" dirty="0"/>
           </a:p>
         </p:txBody>
       </p:sp>
     </p:spTree>
     <p:extLst>
       <p:ext uri="{BB962C8B-B14F-4D97-AF65-F5344CB8AC3E}">
-        <p14:creationId xmlns:p14="http://schemas.microsoft.com/office/powerpoint/2010/main" val="3574142386"/>
+        <p14:creationId xmlns:p14="http://schemas.microsoft.com/office/powerpoint/2010/main" val="1554846686"/>
       </p:ext>
     </p:extLst>
   </p:cSld>

--- a/course_material/week_01/01_Presentation.pptx
+++ b/course_material/week_01/01_Presentation.pptx
@@ -5,7 +5,7 @@
     <p:sldMasterId id="2147483801" r:id="rId1"/>
   </p:sldMasterIdLst>
   <p:notesMasterIdLst>
-    <p:notesMasterId r:id="rId20"/>
+    <p:notesMasterId r:id="rId22"/>
   </p:notesMasterIdLst>
   <p:sldIdLst>
     <p:sldId id="256" r:id="rId2"/>
@@ -18,14 +18,16 @@
     <p:sldId id="265" r:id="rId9"/>
     <p:sldId id="264" r:id="rId10"/>
     <p:sldId id="266" r:id="rId11"/>
-    <p:sldId id="270" r:id="rId12"/>
-    <p:sldId id="269" r:id="rId13"/>
-    <p:sldId id="271" r:id="rId14"/>
-    <p:sldId id="272" r:id="rId15"/>
-    <p:sldId id="274" r:id="rId16"/>
-    <p:sldId id="273" r:id="rId17"/>
-    <p:sldId id="275" r:id="rId18"/>
-    <p:sldId id="268" r:id="rId19"/>
+    <p:sldId id="276" r:id="rId12"/>
+    <p:sldId id="277" r:id="rId13"/>
+    <p:sldId id="270" r:id="rId14"/>
+    <p:sldId id="269" r:id="rId15"/>
+    <p:sldId id="271" r:id="rId16"/>
+    <p:sldId id="272" r:id="rId17"/>
+    <p:sldId id="274" r:id="rId18"/>
+    <p:sldId id="273" r:id="rId19"/>
+    <p:sldId id="275" r:id="rId20"/>
+    <p:sldId id="268" r:id="rId21"/>
   </p:sldIdLst>
   <p:sldSz cx="12192000" cy="6858000"/>
   <p:notesSz cx="6858000" cy="9144000"/>
@@ -2182,7 +2184,7 @@
           <a:p>
             <a:fld id="{0D815154-CDFD-4C23-9D33-E83F0FAADAA2}" type="datetimeFigureOut">
               <a:rPr lang="en-US" smtClean="0"/>
-              <a:t>9/13/2021</a:t>
+              <a:t>9/15/2021</a:t>
             </a:fld>
             <a:endParaRPr lang="en-US"/>
           </a:p>
@@ -2522,7 +2524,7 @@
           <a:p>
             <a:fld id="{2CD6395E-E0A2-4FD5-96E6-628A2336CB73}" type="slidenum">
               <a:rPr lang="en-US" smtClean="0"/>
-              <a:t>14</a:t>
+              <a:t>16</a:t>
             </a:fld>
             <a:endParaRPr lang="en-US"/>
           </a:p>
@@ -2725,7 +2727,7 @@
           <a:p>
             <a:fld id="{4AAD347D-5ACD-4C99-B74B-A9C85AD731AF}" type="datetimeFigureOut">
               <a:rPr lang="en-US" dirty="0"/>
-              <a:t>9/13/2021</a:t>
+              <a:t>9/15/2021</a:t>
             </a:fld>
             <a:endParaRPr lang="en-US"/>
           </a:p>
@@ -2995,7 +2997,7 @@
           <a:p>
             <a:fld id="{4509A250-FF31-4206-8172-F9D3106AACB1}" type="datetimeFigureOut">
               <a:rPr lang="en-US" dirty="0"/>
-              <a:t>9/13/2021</a:t>
+              <a:t>9/15/2021</a:t>
             </a:fld>
             <a:endParaRPr lang="en-US"/>
           </a:p>
@@ -3188,7 +3190,7 @@
           <a:p>
             <a:fld id="{4509A250-FF31-4206-8172-F9D3106AACB1}" type="datetimeFigureOut">
               <a:rPr lang="en-US" dirty="0"/>
-              <a:t>9/13/2021</a:t>
+              <a:t>9/15/2021</a:t>
             </a:fld>
             <a:endParaRPr lang="en-US"/>
           </a:p>
@@ -3460,7 +3462,7 @@
           <a:p>
             <a:fld id="{4509A250-FF31-4206-8172-F9D3106AACB1}" type="datetimeFigureOut">
               <a:rPr lang="en-US" dirty="0"/>
-              <a:t>9/13/2021</a:t>
+              <a:t>9/15/2021</a:t>
             </a:fld>
             <a:endParaRPr lang="en-US"/>
           </a:p>
@@ -3800,7 +3802,7 @@
           <a:p>
             <a:fld id="{4509A250-FF31-4206-8172-F9D3106AACB1}" type="datetimeFigureOut">
               <a:rPr lang="en-US" dirty="0"/>
-              <a:t>9/13/2021</a:t>
+              <a:t>9/15/2021</a:t>
             </a:fld>
             <a:endParaRPr lang="en-US"/>
           </a:p>
@@ -4422,7 +4424,7 @@
           <a:p>
             <a:fld id="{4509A250-FF31-4206-8172-F9D3106AACB1}" type="datetimeFigureOut">
               <a:rPr lang="en-US" dirty="0"/>
-              <a:t>9/13/2021</a:t>
+              <a:t>9/15/2021</a:t>
             </a:fld>
             <a:endParaRPr lang="en-US"/>
           </a:p>
@@ -5269,7 +5271,7 @@
           <a:p>
             <a:fld id="{4509A250-FF31-4206-8172-F9D3106AACB1}" type="datetimeFigureOut">
               <a:rPr lang="en-US" dirty="0"/>
-              <a:t>9/13/2021</a:t>
+              <a:t>9/15/2021</a:t>
             </a:fld>
             <a:endParaRPr lang="en-US"/>
           </a:p>
@@ -5437,7 +5439,7 @@
           <a:p>
             <a:fld id="{4509A250-FF31-4206-8172-F9D3106AACB1}" type="datetimeFigureOut">
               <a:rPr lang="en-US" dirty="0"/>
-              <a:t>9/13/2021</a:t>
+              <a:t>9/15/2021</a:t>
             </a:fld>
             <a:endParaRPr lang="en-US"/>
           </a:p>
@@ -5615,7 +5617,7 @@
           <a:p>
             <a:fld id="{4509A250-FF31-4206-8172-F9D3106AACB1}" type="datetimeFigureOut">
               <a:rPr lang="en-US" dirty="0"/>
-              <a:t>9/13/2021</a:t>
+              <a:t>9/15/2021</a:t>
             </a:fld>
             <a:endParaRPr lang="en-US"/>
           </a:p>
@@ -5783,7 +5785,7 @@
           <a:p>
             <a:fld id="{4509A250-FF31-4206-8172-F9D3106AACB1}" type="datetimeFigureOut">
               <a:rPr lang="en-US" dirty="0"/>
-              <a:t>9/13/2021</a:t>
+              <a:t>9/15/2021</a:t>
             </a:fld>
             <a:endParaRPr lang="en-US"/>
           </a:p>
@@ -6029,7 +6031,7 @@
           <a:p>
             <a:fld id="{9796027F-7875-4030-9381-8BD8C4F21935}" type="datetimeFigureOut">
               <a:rPr lang="en-US" dirty="0"/>
-              <a:t>9/13/2021</a:t>
+              <a:t>9/15/2021</a:t>
             </a:fld>
             <a:endParaRPr lang="en-US"/>
           </a:p>
@@ -6318,7 +6320,7 @@
           <a:p>
             <a:fld id="{9796027F-7875-4030-9381-8BD8C4F21935}" type="datetimeFigureOut">
               <a:rPr lang="en-US" dirty="0"/>
-              <a:t>9/13/2021</a:t>
+              <a:t>9/15/2021</a:t>
             </a:fld>
             <a:endParaRPr lang="en-US"/>
           </a:p>
@@ -6759,7 +6761,7 @@
           <a:p>
             <a:fld id="{9796027F-7875-4030-9381-8BD8C4F21935}" type="datetimeFigureOut">
               <a:rPr lang="en-US" dirty="0"/>
-              <a:t>9/13/2021</a:t>
+              <a:t>9/15/2021</a:t>
             </a:fld>
             <a:endParaRPr lang="en-US"/>
           </a:p>
@@ -6876,7 +6878,7 @@
           <a:p>
             <a:fld id="{4509A250-FF31-4206-8172-F9D3106AACB1}" type="datetimeFigureOut">
               <a:rPr lang="en-US" dirty="0"/>
-              <a:t>9/13/2021</a:t>
+              <a:t>9/15/2021</a:t>
             </a:fld>
             <a:endParaRPr lang="en-US"/>
           </a:p>
@@ -6971,7 +6973,7 @@
           <a:p>
             <a:fld id="{4509A250-FF31-4206-8172-F9D3106AACB1}" type="datetimeFigureOut">
               <a:rPr lang="en-US" dirty="0"/>
-              <a:t>9/13/2021</a:t>
+              <a:t>9/15/2021</a:t>
             </a:fld>
             <a:endParaRPr lang="en-US"/>
           </a:p>
@@ -7248,7 +7250,7 @@
           <a:p>
             <a:fld id="{4509A250-FF31-4206-8172-F9D3106AACB1}" type="datetimeFigureOut">
               <a:rPr lang="en-US" dirty="0"/>
-              <a:t>9/13/2021</a:t>
+              <a:t>9/15/2021</a:t>
             </a:fld>
             <a:endParaRPr lang="en-US"/>
           </a:p>
@@ -7518,7 +7520,7 @@
           <a:p>
             <a:fld id="{4509A250-FF31-4206-8172-F9D3106AACB1}" type="datetimeFigureOut">
               <a:rPr lang="en-US" dirty="0"/>
-              <a:t>9/13/2021</a:t>
+              <a:t>9/15/2021</a:t>
             </a:fld>
             <a:endParaRPr lang="en-US"/>
           </a:p>
@@ -7945,7 +7947,7 @@
           <a:p>
             <a:fld id="{4AAD347D-5ACD-4C99-B74B-A9C85AD731AF}" type="datetimeFigureOut">
               <a:rPr lang="en-US" dirty="0"/>
-              <a:t>9/13/2021</a:t>
+              <a:t>9/15/2021</a:t>
             </a:fld>
             <a:endParaRPr lang="en-US"/>
           </a:p>
@@ -8738,6 +8740,340 @@
           <p:cNvPr id="2" name="Title 1">
             <a:extLst>
               <a:ext uri="{FF2B5EF4-FFF2-40B4-BE49-F238E27FC236}">
+                <a16:creationId xmlns:a16="http://schemas.microsoft.com/office/drawing/2014/main" id="{51606179-0F4A-4CB1-BB61-6DDEEAD3BEBB}"/>
+              </a:ext>
+            </a:extLst>
+          </p:cNvPr>
+          <p:cNvSpPr>
+            <a:spLocks noGrp="1"/>
+          </p:cNvSpPr>
+          <p:nvPr>
+            <p:ph type="title"/>
+          </p:nvPr>
+        </p:nvSpPr>
+        <p:spPr/>
+        <p:txBody>
+          <a:bodyPr/>
+          <a:lstStyle/>
+          <a:p>
+            <a:r>
+              <a:rPr lang="en-US" dirty="0"/>
+              <a:t>Course Overview</a:t>
+            </a:r>
+          </a:p>
+        </p:txBody>
+      </p:sp>
+      <p:sp>
+        <p:nvSpPr>
+          <p:cNvPr id="3" name="Content Placeholder 2">
+            <a:extLst>
+              <a:ext uri="{FF2B5EF4-FFF2-40B4-BE49-F238E27FC236}">
+                <a16:creationId xmlns:a16="http://schemas.microsoft.com/office/drawing/2014/main" id="{6183F2A2-8381-4F32-A552-EDA0BB78251C}"/>
+              </a:ext>
+            </a:extLst>
+          </p:cNvPr>
+          <p:cNvSpPr>
+            <a:spLocks noGrp="1"/>
+          </p:cNvSpPr>
+          <p:nvPr>
+            <p:ph idx="1"/>
+          </p:nvPr>
+        </p:nvSpPr>
+        <p:spPr>
+          <a:xfrm>
+            <a:off x="1103312" y="1121790"/>
+            <a:ext cx="8946541" cy="5126609"/>
+          </a:xfrm>
+        </p:spPr>
+        <p:txBody>
+          <a:bodyPr>
+            <a:normAutofit/>
+          </a:bodyPr>
+          <a:lstStyle/>
+          <a:p>
+            <a:r>
+              <a:rPr lang="en-US" dirty="0"/>
+              <a:t>You will learn:</a:t>
+            </a:r>
+          </a:p>
+          <a:p>
+            <a:pPr lvl="1"/>
+            <a:r>
+              <a:rPr lang="en-US" dirty="0"/>
+              <a:t>Git</a:t>
+            </a:r>
+          </a:p>
+          <a:p>
+            <a:pPr lvl="1"/>
+            <a:r>
+              <a:rPr lang="en-US" dirty="0"/>
+              <a:t>Python and many modules</a:t>
+            </a:r>
+          </a:p>
+          <a:p>
+            <a:pPr lvl="1"/>
+            <a:r>
+              <a:rPr lang="en-US" dirty="0"/>
+              <a:t>SQL</a:t>
+            </a:r>
+          </a:p>
+          <a:p>
+            <a:pPr lvl="1"/>
+            <a:r>
+              <a:rPr lang="en-US" dirty="0"/>
+              <a:t>ETL/ELT</a:t>
+            </a:r>
+          </a:p>
+          <a:p>
+            <a:pPr lvl="1"/>
+            <a:r>
+              <a:rPr lang="en-US" dirty="0"/>
+              <a:t>Data Modeling</a:t>
+            </a:r>
+          </a:p>
+          <a:p>
+            <a:pPr lvl="1"/>
+            <a:r>
+              <a:rPr lang="en-US" dirty="0"/>
+              <a:t>Data Visualization</a:t>
+            </a:r>
+          </a:p>
+          <a:p>
+            <a:pPr lvl="1"/>
+            <a:r>
+              <a:rPr lang="en-US" dirty="0"/>
+              <a:t>Supervised and Unsupervised Machine Learning model creation and tuning</a:t>
+            </a:r>
+          </a:p>
+          <a:p>
+            <a:pPr lvl="1"/>
+            <a:r>
+              <a:rPr lang="en-US" dirty="0"/>
+              <a:t>API Creation in Flask (A python framework)</a:t>
+            </a:r>
+          </a:p>
+          <a:p>
+            <a:pPr lvl="1"/>
+            <a:r>
+              <a:rPr lang="en-US" dirty="0"/>
+              <a:t>MongoDB</a:t>
+            </a:r>
+          </a:p>
+          <a:p>
+            <a:pPr lvl="1"/>
+            <a:r>
+              <a:rPr lang="en-US" dirty="0"/>
+              <a:t>Basic Azure services</a:t>
+            </a:r>
+          </a:p>
+          <a:p>
+            <a:pPr lvl="1"/>
+            <a:endParaRPr lang="en-US" dirty="0"/>
+          </a:p>
+        </p:txBody>
+      </p:sp>
+    </p:spTree>
+    <p:extLst>
+      <p:ext uri="{BB962C8B-B14F-4D97-AF65-F5344CB8AC3E}">
+        <p14:creationId xmlns:p14="http://schemas.microsoft.com/office/powerpoint/2010/main" val="4228876770"/>
+      </p:ext>
+    </p:extLst>
+  </p:cSld>
+  <p:clrMapOvr>
+    <a:masterClrMapping/>
+  </p:clrMapOvr>
+</p:sld>
+</file>
+
+<file path=ppt/slides/slide12.xml><?xml version="1.0" encoding="utf-8"?>
+<p:sld xmlns:a="http://schemas.openxmlformats.org/drawingml/2006/main" xmlns:r="http://schemas.openxmlformats.org/officeDocument/2006/relationships" xmlns:p="http://schemas.openxmlformats.org/presentationml/2006/main">
+  <p:cSld>
+    <p:spTree>
+      <p:nvGrpSpPr>
+        <p:cNvPr id="1" name=""/>
+        <p:cNvGrpSpPr/>
+        <p:nvPr/>
+      </p:nvGrpSpPr>
+      <p:grpSpPr>
+        <a:xfrm>
+          <a:off x="0" y="0"/>
+          <a:ext cx="0" cy="0"/>
+          <a:chOff x="0" y="0"/>
+          <a:chExt cx="0" cy="0"/>
+        </a:xfrm>
+      </p:grpSpPr>
+      <p:sp>
+        <p:nvSpPr>
+          <p:cNvPr id="2" name="Title 1">
+            <a:extLst>
+              <a:ext uri="{FF2B5EF4-FFF2-40B4-BE49-F238E27FC236}">
+                <a16:creationId xmlns:a16="http://schemas.microsoft.com/office/drawing/2014/main" id="{84C70909-2C74-43A2-A4C3-E9FE97E000A8}"/>
+              </a:ext>
+            </a:extLst>
+          </p:cNvPr>
+          <p:cNvSpPr>
+            <a:spLocks noGrp="1"/>
+          </p:cNvSpPr>
+          <p:nvPr>
+            <p:ph type="title"/>
+          </p:nvPr>
+        </p:nvSpPr>
+        <p:spPr/>
+        <p:txBody>
+          <a:bodyPr/>
+          <a:lstStyle/>
+          <a:p>
+            <a:r>
+              <a:rPr lang="en-US" dirty="0"/>
+              <a:t>Expectations</a:t>
+            </a:r>
+          </a:p>
+        </p:txBody>
+      </p:sp>
+      <p:sp>
+        <p:nvSpPr>
+          <p:cNvPr id="3" name="Content Placeholder 2">
+            <a:extLst>
+              <a:ext uri="{FF2B5EF4-FFF2-40B4-BE49-F238E27FC236}">
+                <a16:creationId xmlns:a16="http://schemas.microsoft.com/office/drawing/2014/main" id="{D067DB36-6DBC-4016-BB9B-A9227CE50F97}"/>
+              </a:ext>
+            </a:extLst>
+          </p:cNvPr>
+          <p:cNvSpPr>
+            <a:spLocks noGrp="1"/>
+          </p:cNvSpPr>
+          <p:nvPr>
+            <p:ph idx="1"/>
+          </p:nvPr>
+        </p:nvSpPr>
+        <p:spPr>
+          <a:xfrm>
+            <a:off x="1103312" y="1555422"/>
+            <a:ext cx="8946541" cy="4692977"/>
+          </a:xfrm>
+        </p:spPr>
+        <p:txBody>
+          <a:bodyPr>
+            <a:normAutofit/>
+          </a:bodyPr>
+          <a:lstStyle/>
+          <a:p>
+            <a:r>
+              <a:rPr lang="en-US" dirty="0"/>
+              <a:t>We will have check-ins every 6 weeks. </a:t>
+            </a:r>
+          </a:p>
+          <a:p>
+            <a:pPr lvl="1"/>
+            <a:r>
+              <a:rPr lang="en-US" dirty="0"/>
+              <a:t>If you have not completed all the assignments (or all minus one) at the time of the check-in, you will be dropped from the class</a:t>
+            </a:r>
+          </a:p>
+          <a:p>
+            <a:pPr lvl="1"/>
+            <a:r>
+              <a:rPr lang="en-US" dirty="0"/>
+              <a:t>You must get at least a 70% on all assignments</a:t>
+            </a:r>
+          </a:p>
+          <a:p>
+            <a:pPr lvl="1"/>
+            <a:r>
+              <a:rPr lang="en-US" dirty="0"/>
+              <a:t>If you plagiarize the internet or other students, you will be dropped</a:t>
+            </a:r>
+          </a:p>
+          <a:p>
+            <a:r>
+              <a:rPr lang="en-US" dirty="0"/>
+              <a:t>You will have in-class group activities each class</a:t>
+            </a:r>
+          </a:p>
+          <a:p>
+            <a:pPr lvl="1"/>
+            <a:r>
+              <a:rPr lang="en-US" dirty="0"/>
+              <a:t>You are expected to complete them to the best of your abilities </a:t>
+            </a:r>
+          </a:p>
+          <a:p>
+            <a:r>
+              <a:rPr lang="en-US" dirty="0"/>
+              <a:t>You will have three projects</a:t>
+            </a:r>
+          </a:p>
+          <a:p>
+            <a:pPr lvl="1"/>
+            <a:r>
+              <a:rPr lang="en-US" dirty="0"/>
+              <a:t>These are to be completed of groups from 1-3 people. </a:t>
+            </a:r>
+          </a:p>
+          <a:p>
+            <a:pPr lvl="1"/>
+            <a:r>
+              <a:rPr lang="en-US" dirty="0"/>
+              <a:t>I will assign groups for the first project, but you will pick your groups for the two other projects</a:t>
+            </a:r>
+          </a:p>
+          <a:p>
+            <a:pPr lvl="1"/>
+            <a:r>
+              <a:rPr lang="en-US" dirty="0"/>
+              <a:t>Projects are: exploratory data analysis, ETL, machine learning project</a:t>
+            </a:r>
+          </a:p>
+          <a:p>
+            <a:endParaRPr lang="en-US" dirty="0"/>
+          </a:p>
+          <a:p>
+            <a:pPr lvl="1"/>
+            <a:endParaRPr lang="en-US" dirty="0"/>
+          </a:p>
+          <a:p>
+            <a:pPr marL="457200" lvl="1" indent="0">
+              <a:buNone/>
+            </a:pPr>
+            <a:endParaRPr lang="en-US" dirty="0"/>
+          </a:p>
+        </p:txBody>
+      </p:sp>
+    </p:spTree>
+    <p:extLst>
+      <p:ext uri="{BB962C8B-B14F-4D97-AF65-F5344CB8AC3E}">
+        <p14:creationId xmlns:p14="http://schemas.microsoft.com/office/powerpoint/2010/main" val="990089865"/>
+      </p:ext>
+    </p:extLst>
+  </p:cSld>
+  <p:clrMapOvr>
+    <a:masterClrMapping/>
+  </p:clrMapOvr>
+</p:sld>
+</file>
+
+<file path=ppt/slides/slide13.xml><?xml version="1.0" encoding="utf-8"?>
+<p:sld xmlns:a="http://schemas.openxmlformats.org/drawingml/2006/main" xmlns:r="http://schemas.openxmlformats.org/officeDocument/2006/relationships" xmlns:p="http://schemas.openxmlformats.org/presentationml/2006/main">
+  <p:cSld>
+    <p:spTree>
+      <p:nvGrpSpPr>
+        <p:cNvPr id="1" name=""/>
+        <p:cNvGrpSpPr/>
+        <p:nvPr/>
+      </p:nvGrpSpPr>
+      <p:grpSpPr>
+        <a:xfrm>
+          <a:off x="0" y="0"/>
+          <a:ext cx="0" cy="0"/>
+          <a:chOff x="0" y="0"/>
+          <a:chExt cx="0" cy="0"/>
+        </a:xfrm>
+      </p:grpSpPr>
+      <p:sp>
+        <p:nvSpPr>
+          <p:cNvPr id="2" name="Title 1">
+            <a:extLst>
+              <a:ext uri="{FF2B5EF4-FFF2-40B4-BE49-F238E27FC236}">
                 <a16:creationId xmlns:a16="http://schemas.microsoft.com/office/drawing/2014/main" id="{FAE8E902-F1C8-41B3-AF87-3A76874A009E}"/>
               </a:ext>
             </a:extLst>
@@ -8925,7 +9261,7 @@
 </p:sld>
 </file>
 
-<file path=ppt/slides/slide12.xml><?xml version="1.0" encoding="utf-8"?>
+<file path=ppt/slides/slide14.xml><?xml version="1.0" encoding="utf-8"?>
 <p:sld xmlns:a="http://schemas.openxmlformats.org/drawingml/2006/main" xmlns:r="http://schemas.openxmlformats.org/officeDocument/2006/relationships" xmlns:p="http://schemas.openxmlformats.org/presentationml/2006/main">
   <p:cSld>
     <p:spTree>
@@ -9190,7 +9526,7 @@
 </p:sld>
 </file>
 
-<file path=ppt/slides/slide13.xml><?xml version="1.0" encoding="utf-8"?>
+<file path=ppt/slides/slide15.xml><?xml version="1.0" encoding="utf-8"?>
 <p:sld xmlns:a="http://schemas.openxmlformats.org/drawingml/2006/main" xmlns:r="http://schemas.openxmlformats.org/officeDocument/2006/relationships" xmlns:p="http://schemas.openxmlformats.org/presentationml/2006/main">
   <p:cSld>
     <p:spTree>
@@ -9354,7 +9690,7 @@
 </p:sld>
 </file>
 
-<file path=ppt/slides/slide14.xml><?xml version="1.0" encoding="utf-8"?>
+<file path=ppt/slides/slide16.xml><?xml version="1.0" encoding="utf-8"?>
 <p:sld xmlns:a="http://schemas.openxmlformats.org/drawingml/2006/main" xmlns:r="http://schemas.openxmlformats.org/officeDocument/2006/relationships" xmlns:p="http://schemas.openxmlformats.org/presentationml/2006/main">
   <p:cSld>
     <p:spTree>
@@ -9459,269 +9795,6 @@
 </p:sld>
 </file>
 
-<file path=ppt/slides/slide15.xml><?xml version="1.0" encoding="utf-8"?>
-<p:sld xmlns:a="http://schemas.openxmlformats.org/drawingml/2006/main" xmlns:r="http://schemas.openxmlformats.org/officeDocument/2006/relationships" xmlns:p="http://schemas.openxmlformats.org/presentationml/2006/main">
-  <p:cSld>
-    <p:spTree>
-      <p:nvGrpSpPr>
-        <p:cNvPr id="1" name=""/>
-        <p:cNvGrpSpPr/>
-        <p:nvPr/>
-      </p:nvGrpSpPr>
-      <p:grpSpPr>
-        <a:xfrm>
-          <a:off x="0" y="0"/>
-          <a:ext cx="0" cy="0"/>
-          <a:chOff x="0" y="0"/>
-          <a:chExt cx="0" cy="0"/>
-        </a:xfrm>
-      </p:grpSpPr>
-      <p:sp>
-        <p:nvSpPr>
-          <p:cNvPr id="2" name="Title 1">
-            <a:extLst>
-              <a:ext uri="{FF2B5EF4-FFF2-40B4-BE49-F238E27FC236}">
-                <a16:creationId xmlns:a16="http://schemas.microsoft.com/office/drawing/2014/main" id="{FCB20E9B-002C-4D50-A850-7CCB8A9607EE}"/>
-              </a:ext>
-            </a:extLst>
-          </p:cNvPr>
-          <p:cNvSpPr>
-            <a:spLocks noGrp="1"/>
-          </p:cNvSpPr>
-          <p:nvPr>
-            <p:ph type="title"/>
-          </p:nvPr>
-        </p:nvSpPr>
-        <p:spPr/>
-        <p:txBody>
-          <a:bodyPr/>
-          <a:lstStyle/>
-          <a:p>
-            <a:r>
-              <a:rPr lang="en-US" dirty="0"/>
-              <a:t>In Class Activity: 30 mins</a:t>
-            </a:r>
-          </a:p>
-        </p:txBody>
-      </p:sp>
-      <p:sp>
-        <p:nvSpPr>
-          <p:cNvPr id="3" name="Content Placeholder 2">
-            <a:extLst>
-              <a:ext uri="{FF2B5EF4-FFF2-40B4-BE49-F238E27FC236}">
-                <a16:creationId xmlns:a16="http://schemas.microsoft.com/office/drawing/2014/main" id="{4BC89F77-664B-4D03-AA82-E422CC9A225B}"/>
-              </a:ext>
-            </a:extLst>
-          </p:cNvPr>
-          <p:cNvSpPr>
-            <a:spLocks noGrp="1"/>
-          </p:cNvSpPr>
-          <p:nvPr>
-            <p:ph idx="1"/>
-          </p:nvPr>
-        </p:nvSpPr>
-        <p:spPr/>
-        <p:txBody>
-          <a:bodyPr/>
-          <a:lstStyle/>
-          <a:p>
-            <a:r>
-              <a:rPr lang="en-US" dirty="0"/>
-              <a:t>Document the main datatypes in a </a:t>
-            </a:r>
-            <a:r>
-              <a:rPr lang="en-US" dirty="0" err="1"/>
-              <a:t>Jupyer</a:t>
-            </a:r>
-            <a:r>
-              <a:rPr lang="en-US" dirty="0"/>
-              <a:t> notebook. Use markdown and headings and provide an example of each datatype and print the type to confirm you’re right:</a:t>
-            </a:r>
-          </a:p>
-          <a:p>
-            <a:pPr lvl="1"/>
-            <a:r>
-              <a:rPr lang="en-US" dirty="0"/>
-              <a:t>Numeric (integers and floats)</a:t>
-            </a:r>
-          </a:p>
-          <a:p>
-            <a:pPr lvl="1"/>
-            <a:r>
-              <a:rPr lang="en-US" dirty="0"/>
-              <a:t>Dictionary</a:t>
-            </a:r>
-          </a:p>
-          <a:p>
-            <a:pPr lvl="1"/>
-            <a:r>
-              <a:rPr lang="en-US" dirty="0"/>
-              <a:t>Boolean</a:t>
-            </a:r>
-          </a:p>
-          <a:p>
-            <a:pPr lvl="1"/>
-            <a:r>
-              <a:rPr lang="en-US" dirty="0"/>
-              <a:t>Sequence (string, list, tuple)</a:t>
-            </a:r>
-          </a:p>
-          <a:p>
-            <a:pPr lvl="1"/>
-            <a:r>
-              <a:rPr lang="en-US" dirty="0"/>
-              <a:t>Set</a:t>
-            </a:r>
-          </a:p>
-          <a:p>
-            <a:pPr lvl="1"/>
-            <a:endParaRPr lang="en-US" dirty="0"/>
-          </a:p>
-        </p:txBody>
-      </p:sp>
-    </p:spTree>
-    <p:extLst>
-      <p:ext uri="{BB962C8B-B14F-4D97-AF65-F5344CB8AC3E}">
-        <p14:creationId xmlns:p14="http://schemas.microsoft.com/office/powerpoint/2010/main" val="1047999158"/>
-      </p:ext>
-    </p:extLst>
-  </p:cSld>
-  <p:clrMapOvr>
-    <a:masterClrMapping/>
-  </p:clrMapOvr>
-</p:sld>
-</file>
-
-<file path=ppt/slides/slide16.xml><?xml version="1.0" encoding="utf-8"?>
-<p:sld xmlns:a="http://schemas.openxmlformats.org/drawingml/2006/main" xmlns:r="http://schemas.openxmlformats.org/officeDocument/2006/relationships" xmlns:p="http://schemas.openxmlformats.org/presentationml/2006/main">
-  <p:cSld>
-    <p:spTree>
-      <p:nvGrpSpPr>
-        <p:cNvPr id="1" name=""/>
-        <p:cNvGrpSpPr/>
-        <p:nvPr/>
-      </p:nvGrpSpPr>
-      <p:grpSpPr>
-        <a:xfrm>
-          <a:off x="0" y="0"/>
-          <a:ext cx="0" cy="0"/>
-          <a:chOff x="0" y="0"/>
-          <a:chExt cx="0" cy="0"/>
-        </a:xfrm>
-      </p:grpSpPr>
-      <p:sp>
-        <p:nvSpPr>
-          <p:cNvPr id="2" name="Title 1">
-            <a:extLst>
-              <a:ext uri="{FF2B5EF4-FFF2-40B4-BE49-F238E27FC236}">
-                <a16:creationId xmlns:a16="http://schemas.microsoft.com/office/drawing/2014/main" id="{47F85EB0-7CDB-4E13-A551-F7F23BFFFB23}"/>
-              </a:ext>
-            </a:extLst>
-          </p:cNvPr>
-          <p:cNvSpPr>
-            <a:spLocks noGrp="1"/>
-          </p:cNvSpPr>
-          <p:nvPr>
-            <p:ph type="title"/>
-          </p:nvPr>
-        </p:nvSpPr>
-        <p:spPr/>
-        <p:txBody>
-          <a:bodyPr/>
-          <a:lstStyle/>
-          <a:p>
-            <a:r>
-              <a:rPr lang="en-US" dirty="0"/>
-              <a:t>Python Flow control</a:t>
-            </a:r>
-          </a:p>
-        </p:txBody>
-      </p:sp>
-      <p:sp>
-        <p:nvSpPr>
-          <p:cNvPr id="3" name="Content Placeholder 2">
-            <a:extLst>
-              <a:ext uri="{FF2B5EF4-FFF2-40B4-BE49-F238E27FC236}">
-                <a16:creationId xmlns:a16="http://schemas.microsoft.com/office/drawing/2014/main" id="{829A05FB-1BBF-4E8B-B510-61049917C545}"/>
-              </a:ext>
-            </a:extLst>
-          </p:cNvPr>
-          <p:cNvSpPr>
-            <a:spLocks noGrp="1"/>
-          </p:cNvSpPr>
-          <p:nvPr>
-            <p:ph idx="1"/>
-          </p:nvPr>
-        </p:nvSpPr>
-        <p:spPr/>
-        <p:txBody>
-          <a:bodyPr/>
-          <a:lstStyle/>
-          <a:p>
-            <a:r>
-              <a:rPr lang="en-US" dirty="0"/>
-              <a:t>If… </a:t>
-            </a:r>
-            <a:r>
-              <a:rPr lang="en-US" dirty="0" err="1"/>
-              <a:t>elif</a:t>
-            </a:r>
-            <a:r>
-              <a:rPr lang="en-US" dirty="0"/>
-              <a:t>… else</a:t>
-            </a:r>
-          </a:p>
-          <a:p>
-            <a:r>
-              <a:rPr lang="en-US" dirty="0"/>
-              <a:t>for</a:t>
-            </a:r>
-          </a:p>
-          <a:p>
-            <a:r>
-              <a:rPr lang="en-US" dirty="0"/>
-              <a:t>While</a:t>
-            </a:r>
-          </a:p>
-          <a:p>
-            <a:r>
-              <a:rPr lang="en-US"/>
-              <a:t>Range (</a:t>
-            </a:r>
-            <a:r>
-              <a:rPr lang="en-US" dirty="0"/>
-              <a:t>if we </a:t>
-            </a:r>
-            <a:r>
-              <a:rPr lang="en-US"/>
-              <a:t>have time)</a:t>
-            </a:r>
-            <a:endParaRPr lang="en-US" dirty="0"/>
-          </a:p>
-          <a:p>
-            <a:endParaRPr lang="en-US" dirty="0"/>
-          </a:p>
-          <a:p>
-            <a:r>
-              <a:rPr lang="en-US" dirty="0"/>
-              <a:t>There’s a lot more to this, but were just going over the basics today!</a:t>
-            </a:r>
-          </a:p>
-        </p:txBody>
-      </p:sp>
-    </p:spTree>
-    <p:extLst>
-      <p:ext uri="{BB962C8B-B14F-4D97-AF65-F5344CB8AC3E}">
-        <p14:creationId xmlns:p14="http://schemas.microsoft.com/office/powerpoint/2010/main" val="1130824563"/>
-      </p:ext>
-    </p:extLst>
-  </p:cSld>
-  <p:clrMapOvr>
-    <a:masterClrMapping/>
-  </p:clrMapOvr>
-</p:sld>
-</file>
-
 <file path=ppt/slides/slide17.xml><?xml version="1.0" encoding="utf-8"?>
 <p:sld xmlns:a="http://schemas.openxmlformats.org/drawingml/2006/main" xmlns:r="http://schemas.openxmlformats.org/officeDocument/2006/relationships" xmlns:p="http://schemas.openxmlformats.org/presentationml/2006/main">
   <p:cSld>
@@ -9744,7 +9817,7 @@
           <p:cNvPr id="2" name="Title 1">
             <a:extLst>
               <a:ext uri="{FF2B5EF4-FFF2-40B4-BE49-F238E27FC236}">
-                <a16:creationId xmlns:a16="http://schemas.microsoft.com/office/drawing/2014/main" id="{5158FD66-DB0F-4B49-90E8-C69DE8E5E8EA}"/>
+                <a16:creationId xmlns:a16="http://schemas.microsoft.com/office/drawing/2014/main" id="{FCB20E9B-002C-4D50-A850-7CCB8A9607EE}"/>
               </a:ext>
             </a:extLst>
           </p:cNvPr>
@@ -9762,7 +9835,7 @@
           <a:p>
             <a:r>
               <a:rPr lang="en-US" dirty="0"/>
-              <a:t>Practice Flow Control</a:t>
+              <a:t>In Class Activity: 30 mins</a:t>
             </a:r>
           </a:p>
         </p:txBody>
@@ -9772,7 +9845,7 @@
           <p:cNvPr id="3" name="Content Placeholder 2">
             <a:extLst>
               <a:ext uri="{FF2B5EF4-FFF2-40B4-BE49-F238E27FC236}">
-                <a16:creationId xmlns:a16="http://schemas.microsoft.com/office/drawing/2014/main" id="{D2D6404C-9488-4A0F-8854-869F84E08883}"/>
+                <a16:creationId xmlns:a16="http://schemas.microsoft.com/office/drawing/2014/main" id="{4BC89F77-664B-4D03-AA82-E422CC9A225B}"/>
               </a:ext>
             </a:extLst>
           </p:cNvPr>
@@ -9788,80 +9861,64 @@
           <a:bodyPr/>
           <a:lstStyle/>
           <a:p>
-            <a:pPr marL="0" indent="0">
-              <a:buNone/>
-            </a:pPr>
-            <a:r>
-              <a:rPr lang="en-US" dirty="0"/>
-              <a:t>#whats wrong with this code? (Hint: there are 4 issues) </a:t>
-            </a:r>
-          </a:p>
-          <a:p>
-            <a:pPr marL="0" indent="0">
-              <a:buNone/>
-            </a:pPr>
-            <a:r>
-              <a:rPr lang="en-US" dirty="0"/>
-              <a:t>#what is it doing?</a:t>
-            </a:r>
-          </a:p>
-          <a:p>
-            <a:pPr marL="0" indent="0">
-              <a:buNone/>
-            </a:pPr>
-            <a:r>
-              <a:rPr lang="en-US" dirty="0"/>
-              <a:t>num = str(input("Enter a number: "))</a:t>
-            </a:r>
-          </a:p>
-          <a:p>
-            <a:pPr marL="0" indent="0">
-              <a:buNone/>
-            </a:pPr>
+            <a:r>
+              <a:rPr lang="en-US" dirty="0"/>
+              <a:t>Document the main datatypes in a </a:t>
+            </a:r>
+            <a:r>
+              <a:rPr lang="en-US" dirty="0" err="1"/>
+              <a:t>Jupyer</a:t>
+            </a:r>
+            <a:r>
+              <a:rPr lang="en-US" dirty="0"/>
+              <a:t> notebook. Use markdown and headings and provide an example of each datatype and print the type to confirm you’re right:</a:t>
+            </a:r>
+          </a:p>
+          <a:p>
+            <a:pPr lvl="1"/>
+            <a:r>
+              <a:rPr lang="en-US" dirty="0"/>
+              <a:t>Numeric (integers and floats)</a:t>
+            </a:r>
+          </a:p>
+          <a:p>
+            <a:pPr lvl="1"/>
+            <a:r>
+              <a:rPr lang="en-US" dirty="0"/>
+              <a:t>Dictionary</a:t>
+            </a:r>
+          </a:p>
+          <a:p>
+            <a:pPr lvl="1"/>
+            <a:r>
+              <a:rPr lang="en-US" dirty="0"/>
+              <a:t>Boolean</a:t>
+            </a:r>
+          </a:p>
+          <a:p>
+            <a:pPr lvl="1"/>
+            <a:r>
+              <a:rPr lang="en-US" dirty="0"/>
+              <a:t>Sequence (string, list, tuple)</a:t>
+            </a:r>
+          </a:p>
+          <a:p>
+            <a:pPr lvl="1"/>
+            <a:r>
+              <a:rPr lang="en-US" dirty="0"/>
+              <a:t>Set</a:t>
+            </a:r>
+          </a:p>
+          <a:p>
+            <a:pPr lvl="1"/>
             <a:endParaRPr lang="en-US" dirty="0"/>
-          </a:p>
-          <a:p>
-            <a:pPr marL="0" indent="0">
-              <a:buNone/>
-            </a:pPr>
-            <a:r>
-              <a:rPr lang="en-US" dirty="0"/>
-              <a:t>if num % 2 = 0:</a:t>
-            </a:r>
-          </a:p>
-          <a:p>
-            <a:pPr marL="0" indent="0">
-              <a:buNone/>
-            </a:pPr>
-            <a:r>
-              <a:rPr lang="en-US" dirty="0"/>
-              <a:t>    print("Even")</a:t>
-            </a:r>
-          </a:p>
-          <a:p>
-            <a:pPr marL="0" indent="0">
-              <a:buNone/>
-            </a:pPr>
-            <a:r>
-              <a:rPr lang="en-US" dirty="0"/>
-              <a:t>else</a:t>
-            </a:r>
-          </a:p>
-          <a:p>
-            <a:pPr marL="0" indent="0">
-              <a:buNone/>
-            </a:pPr>
-            <a:r>
-              <a:rPr lang="en-US" dirty="0"/>
-              <a:t>    print("Odd)</a:t>
-            </a:r>
           </a:p>
         </p:txBody>
       </p:sp>
     </p:spTree>
     <p:extLst>
       <p:ext uri="{BB962C8B-B14F-4D97-AF65-F5344CB8AC3E}">
-        <p14:creationId xmlns:p14="http://schemas.microsoft.com/office/powerpoint/2010/main" val="4255460673"/>
+        <p14:creationId xmlns:p14="http://schemas.microsoft.com/office/powerpoint/2010/main" val="1047999158"/>
       </p:ext>
     </p:extLst>
   </p:cSld>
@@ -9893,7 +9950,7 @@
           <p:cNvPr id="2" name="Title 1">
             <a:extLst>
               <a:ext uri="{FF2B5EF4-FFF2-40B4-BE49-F238E27FC236}">
-                <a16:creationId xmlns:a16="http://schemas.microsoft.com/office/drawing/2014/main" id="{8ED7CBDB-BF1D-4EA9-A058-181F837E554A}"/>
+                <a16:creationId xmlns:a16="http://schemas.microsoft.com/office/drawing/2014/main" id="{47F85EB0-7CDB-4E13-A551-F7F23BFFFB23}"/>
               </a:ext>
             </a:extLst>
           </p:cNvPr>
@@ -9904,19 +9961,14 @@
             <p:ph type="title"/>
           </p:nvPr>
         </p:nvSpPr>
-        <p:spPr>
-          <a:xfrm>
-            <a:off x="100481" y="48200"/>
-            <a:ext cx="9414130" cy="591493"/>
-          </a:xfrm>
-        </p:spPr>
+        <p:spPr/>
         <p:txBody>
           <a:bodyPr/>
           <a:lstStyle/>
           <a:p>
             <a:r>
-              <a:rPr lang="en-US"/>
-              <a:t>Homework</a:t>
+              <a:rPr lang="en-US" dirty="0"/>
+              <a:t>Python Flow control</a:t>
             </a:r>
           </a:p>
         </p:txBody>
@@ -9926,7 +9978,7 @@
           <p:cNvPr id="3" name="Content Placeholder 2">
             <a:extLst>
               <a:ext uri="{FF2B5EF4-FFF2-40B4-BE49-F238E27FC236}">
-                <a16:creationId xmlns:a16="http://schemas.microsoft.com/office/drawing/2014/main" id="{8D900B26-178E-415A-8DB3-A2A16C003F28}"/>
+                <a16:creationId xmlns:a16="http://schemas.microsoft.com/office/drawing/2014/main" id="{829A05FB-1BBF-4E8B-B510-61049917C545}"/>
               </a:ext>
             </a:extLst>
           </p:cNvPr>
@@ -9937,93 +9989,215 @@
             <p:ph idx="1"/>
           </p:nvPr>
         </p:nvSpPr>
-        <p:spPr>
-          <a:xfrm>
-            <a:off x="294275" y="905214"/>
-            <a:ext cx="8946541" cy="4195481"/>
-          </a:xfrm>
-        </p:spPr>
-        <p:txBody>
-          <a:bodyPr vert="horz" lIns="91440" tIns="45720" rIns="91440" bIns="45720" rtlCol="0" anchor="t">
-            <a:normAutofit/>
-          </a:bodyPr>
+        <p:spPr/>
+        <p:txBody>
+          <a:bodyPr/>
           <a:lstStyle/>
           <a:p>
-            <a:pPr>
-              <a:buFont typeface="Arial" charset="2"/>
-              <a:buChar char="•"/>
-            </a:pPr>
+            <a:r>
+              <a:rPr lang="en-US" dirty="0"/>
+              <a:t>If… </a:t>
+            </a:r>
+            <a:r>
+              <a:rPr lang="en-US" dirty="0" err="1"/>
+              <a:t>elif</a:t>
+            </a:r>
+            <a:r>
+              <a:rPr lang="en-US" dirty="0"/>
+              <a:t>… else</a:t>
+            </a:r>
+          </a:p>
+          <a:p>
+            <a:r>
+              <a:rPr lang="en-US" dirty="0"/>
+              <a:t>for</a:t>
+            </a:r>
+          </a:p>
+          <a:p>
+            <a:r>
+              <a:rPr lang="en-US" dirty="0"/>
+              <a:t>While</a:t>
+            </a:r>
+          </a:p>
+          <a:p>
             <a:r>
               <a:rPr lang="en-US"/>
-              <a:t>Install anything that hasn't been installed</a:t>
-            </a:r>
-          </a:p>
-          <a:p>
-            <a:pPr>
-              <a:buFont typeface="Arial" charset="2"/>
-              <a:buChar char="•"/>
-            </a:pPr>
+              <a:t>Range (</a:t>
+            </a:r>
+            <a:r>
+              <a:rPr lang="en-US" dirty="0"/>
+              <a:t>if we </a:t>
+            </a:r>
             <a:r>
               <a:rPr lang="en-US"/>
-              <a:t>Readings</a:t>
-            </a:r>
-          </a:p>
-          <a:p>
-            <a:pPr>
-              <a:buFont typeface="Arial" charset="2"/>
-              <a:buChar char="•"/>
-            </a:pPr>
-            <a:r>
-              <a:rPr lang="en-US"/>
-              <a:t>Homework Assignment</a:t>
-            </a:r>
-          </a:p>
-          <a:p>
-            <a:pPr>
-              <a:buFont typeface="Arial" charset="2"/>
-              <a:buChar char="•"/>
-            </a:pPr>
-            <a:r>
-              <a:rPr lang="en-US"/>
-              <a:t>Save a copy of your homework assignment OUTSIDE of your git repo. </a:t>
-            </a:r>
-          </a:p>
-          <a:p>
-            <a:pPr lvl="1" indent="0">
-              <a:buFont typeface="Arial" charset="2"/>
-              <a:buChar char="•"/>
-            </a:pPr>
-            <a:r>
-              <a:rPr lang="en-US"/>
-              <a:t>Suggest creating a folder called "homework"</a:t>
-            </a:r>
-          </a:p>
-          <a:p>
-            <a:pPr lvl="1" indent="0">
-              <a:buFont typeface="Arial" charset="2"/>
-              <a:buChar char="•"/>
-            </a:pPr>
-            <a:r>
-              <a:rPr lang="en-US"/>
-              <a:t>If it's inside the git repo you will run into issues.</a:t>
-            </a:r>
-          </a:p>
-          <a:p>
-            <a:pPr lvl="1" indent="0">
-              <a:buFont typeface="Arial" charset="2"/>
-              <a:buChar char="•"/>
-            </a:pPr>
-            <a:endParaRPr lang="en-US"/>
-          </a:p>
-          <a:p>
-            <a:endParaRPr lang="en-US"/>
+              <a:t>have time)</a:t>
+            </a:r>
+            <a:endParaRPr lang="en-US" dirty="0"/>
+          </a:p>
+          <a:p>
+            <a:endParaRPr lang="en-US" dirty="0"/>
+          </a:p>
+          <a:p>
+            <a:r>
+              <a:rPr lang="en-US" dirty="0"/>
+              <a:t>There’s a lot more to this, but were just going over the basics today!</a:t>
+            </a:r>
           </a:p>
         </p:txBody>
       </p:sp>
     </p:spTree>
     <p:extLst>
       <p:ext uri="{BB962C8B-B14F-4D97-AF65-F5344CB8AC3E}">
-        <p14:creationId xmlns:p14="http://schemas.microsoft.com/office/powerpoint/2010/main" val="2700805811"/>
+        <p14:creationId xmlns:p14="http://schemas.microsoft.com/office/powerpoint/2010/main" val="1130824563"/>
+      </p:ext>
+    </p:extLst>
+  </p:cSld>
+  <p:clrMapOvr>
+    <a:masterClrMapping/>
+  </p:clrMapOvr>
+</p:sld>
+</file>
+
+<file path=ppt/slides/slide19.xml><?xml version="1.0" encoding="utf-8"?>
+<p:sld xmlns:a="http://schemas.openxmlformats.org/drawingml/2006/main" xmlns:r="http://schemas.openxmlformats.org/officeDocument/2006/relationships" xmlns:p="http://schemas.openxmlformats.org/presentationml/2006/main">
+  <p:cSld>
+    <p:spTree>
+      <p:nvGrpSpPr>
+        <p:cNvPr id="1" name=""/>
+        <p:cNvGrpSpPr/>
+        <p:nvPr/>
+      </p:nvGrpSpPr>
+      <p:grpSpPr>
+        <a:xfrm>
+          <a:off x="0" y="0"/>
+          <a:ext cx="0" cy="0"/>
+          <a:chOff x="0" y="0"/>
+          <a:chExt cx="0" cy="0"/>
+        </a:xfrm>
+      </p:grpSpPr>
+      <p:sp>
+        <p:nvSpPr>
+          <p:cNvPr id="2" name="Title 1">
+            <a:extLst>
+              <a:ext uri="{FF2B5EF4-FFF2-40B4-BE49-F238E27FC236}">
+                <a16:creationId xmlns:a16="http://schemas.microsoft.com/office/drawing/2014/main" id="{5158FD66-DB0F-4B49-90E8-C69DE8E5E8EA}"/>
+              </a:ext>
+            </a:extLst>
+          </p:cNvPr>
+          <p:cNvSpPr>
+            <a:spLocks noGrp="1"/>
+          </p:cNvSpPr>
+          <p:nvPr>
+            <p:ph type="title"/>
+          </p:nvPr>
+        </p:nvSpPr>
+        <p:spPr/>
+        <p:txBody>
+          <a:bodyPr/>
+          <a:lstStyle/>
+          <a:p>
+            <a:r>
+              <a:rPr lang="en-US" dirty="0"/>
+              <a:t>Practice Flow Control</a:t>
+            </a:r>
+          </a:p>
+        </p:txBody>
+      </p:sp>
+      <p:sp>
+        <p:nvSpPr>
+          <p:cNvPr id="3" name="Content Placeholder 2">
+            <a:extLst>
+              <a:ext uri="{FF2B5EF4-FFF2-40B4-BE49-F238E27FC236}">
+                <a16:creationId xmlns:a16="http://schemas.microsoft.com/office/drawing/2014/main" id="{D2D6404C-9488-4A0F-8854-869F84E08883}"/>
+              </a:ext>
+            </a:extLst>
+          </p:cNvPr>
+          <p:cNvSpPr>
+            <a:spLocks noGrp="1"/>
+          </p:cNvSpPr>
+          <p:nvPr>
+            <p:ph idx="1"/>
+          </p:nvPr>
+        </p:nvSpPr>
+        <p:spPr/>
+        <p:txBody>
+          <a:bodyPr/>
+          <a:lstStyle/>
+          <a:p>
+            <a:pPr marL="0" indent="0">
+              <a:buNone/>
+            </a:pPr>
+            <a:r>
+              <a:rPr lang="en-US" dirty="0"/>
+              <a:t>#whats wrong with this code? (Hint: there are 4 issues) </a:t>
+            </a:r>
+          </a:p>
+          <a:p>
+            <a:pPr marL="0" indent="0">
+              <a:buNone/>
+            </a:pPr>
+            <a:r>
+              <a:rPr lang="en-US" dirty="0"/>
+              <a:t>#what is it doing?</a:t>
+            </a:r>
+          </a:p>
+          <a:p>
+            <a:pPr marL="0" indent="0">
+              <a:buNone/>
+            </a:pPr>
+            <a:r>
+              <a:rPr lang="en-US" dirty="0"/>
+              <a:t>num = str(input("Enter a number: "))</a:t>
+            </a:r>
+          </a:p>
+          <a:p>
+            <a:pPr marL="0" indent="0">
+              <a:buNone/>
+            </a:pPr>
+            <a:endParaRPr lang="en-US" dirty="0"/>
+          </a:p>
+          <a:p>
+            <a:pPr marL="0" indent="0">
+              <a:buNone/>
+            </a:pPr>
+            <a:r>
+              <a:rPr lang="en-US" dirty="0"/>
+              <a:t>if num % 2 = 0:</a:t>
+            </a:r>
+          </a:p>
+          <a:p>
+            <a:pPr marL="0" indent="0">
+              <a:buNone/>
+            </a:pPr>
+            <a:r>
+              <a:rPr lang="en-US" dirty="0"/>
+              <a:t>    print("Even")</a:t>
+            </a:r>
+          </a:p>
+          <a:p>
+            <a:pPr marL="0" indent="0">
+              <a:buNone/>
+            </a:pPr>
+            <a:r>
+              <a:rPr lang="en-US" dirty="0"/>
+              <a:t>else</a:t>
+            </a:r>
+          </a:p>
+          <a:p>
+            <a:pPr marL="0" indent="0">
+              <a:buNone/>
+            </a:pPr>
+            <a:r>
+              <a:rPr lang="en-US" dirty="0"/>
+              <a:t>    print("Odd)</a:t>
+            </a:r>
+          </a:p>
+        </p:txBody>
+      </p:sp>
+    </p:spTree>
+    <p:extLst>
+      <p:ext uri="{BB962C8B-B14F-4D97-AF65-F5344CB8AC3E}">
+        <p14:creationId xmlns:p14="http://schemas.microsoft.com/office/powerpoint/2010/main" val="4255460673"/>
       </p:ext>
     </p:extLst>
   </p:cSld>
@@ -10110,7 +10284,7 @@
         </p:spPr>
         <p:txBody>
           <a:bodyPr vert="horz" lIns="91440" tIns="45720" rIns="91440" bIns="45720" rtlCol="0" anchor="t">
-            <a:normAutofit fontScale="92500" lnSpcReduction="10000"/>
+            <a:normAutofit/>
           </a:bodyPr>
           <a:lstStyle/>
           <a:p>
@@ -10207,40 +10381,190 @@
               <a:rPr lang="en-US" dirty="0">
                 <a:cs typeface="Calibri"/>
               </a:rPr>
-              <a:t>Data jobs</a:t>
-            </a:r>
-          </a:p>
+              <a:t>Homework</a:t>
+            </a:r>
+          </a:p>
+          <a:p>
+            <a:endParaRPr lang="en-US" dirty="0">
+              <a:cs typeface="Calibri"/>
+            </a:endParaRPr>
+          </a:p>
+          <a:p>
+            <a:r>
+              <a:rPr lang="en-US" dirty="0">
+                <a:cs typeface="Calibri"/>
+              </a:rPr>
+              <a:t>Please bear with us as we fully expect some speedbumps today!</a:t>
+            </a:r>
+          </a:p>
+        </p:txBody>
+      </p:sp>
+    </p:spTree>
+    <p:extLst>
+      <p:ext uri="{BB962C8B-B14F-4D97-AF65-F5344CB8AC3E}">
+        <p14:creationId xmlns:p14="http://schemas.microsoft.com/office/powerpoint/2010/main" val="1977541109"/>
+      </p:ext>
+    </p:extLst>
+  </p:cSld>
+  <p:clrMapOvr>
+    <a:masterClrMapping/>
+  </p:clrMapOvr>
+</p:sld>
+</file>
+
+<file path=ppt/slides/slide20.xml><?xml version="1.0" encoding="utf-8"?>
+<p:sld xmlns:a="http://schemas.openxmlformats.org/drawingml/2006/main" xmlns:r="http://schemas.openxmlformats.org/officeDocument/2006/relationships" xmlns:p="http://schemas.openxmlformats.org/presentationml/2006/main">
+  <p:cSld>
+    <p:spTree>
+      <p:nvGrpSpPr>
+        <p:cNvPr id="1" name=""/>
+        <p:cNvGrpSpPr/>
+        <p:nvPr/>
+      </p:nvGrpSpPr>
+      <p:grpSpPr>
+        <a:xfrm>
+          <a:off x="0" y="0"/>
+          <a:ext cx="0" cy="0"/>
+          <a:chOff x="0" y="0"/>
+          <a:chExt cx="0" cy="0"/>
+        </a:xfrm>
+      </p:grpSpPr>
+      <p:sp>
+        <p:nvSpPr>
+          <p:cNvPr id="2" name="Title 1">
+            <a:extLst>
+              <a:ext uri="{FF2B5EF4-FFF2-40B4-BE49-F238E27FC236}">
+                <a16:creationId xmlns:a16="http://schemas.microsoft.com/office/drawing/2014/main" id="{8ED7CBDB-BF1D-4EA9-A058-181F837E554A}"/>
+              </a:ext>
+            </a:extLst>
+          </p:cNvPr>
+          <p:cNvSpPr>
+            <a:spLocks noGrp="1"/>
+          </p:cNvSpPr>
+          <p:nvPr>
+            <p:ph type="title"/>
+          </p:nvPr>
+        </p:nvSpPr>
+        <p:spPr>
+          <a:xfrm>
+            <a:off x="100481" y="48200"/>
+            <a:ext cx="9414130" cy="591493"/>
+          </a:xfrm>
+        </p:spPr>
+        <p:txBody>
+          <a:bodyPr/>
+          <a:lstStyle/>
+          <a:p>
+            <a:r>
+              <a:rPr lang="en-US"/>
+              <a:t>Homework</a:t>
+            </a:r>
+          </a:p>
+        </p:txBody>
+      </p:sp>
+      <p:sp>
+        <p:nvSpPr>
+          <p:cNvPr id="3" name="Content Placeholder 2">
+            <a:extLst>
+              <a:ext uri="{FF2B5EF4-FFF2-40B4-BE49-F238E27FC236}">
+                <a16:creationId xmlns:a16="http://schemas.microsoft.com/office/drawing/2014/main" id="{8D900B26-178E-415A-8DB3-A2A16C003F28}"/>
+              </a:ext>
+            </a:extLst>
+          </p:cNvPr>
+          <p:cNvSpPr>
+            <a:spLocks noGrp="1"/>
+          </p:cNvSpPr>
+          <p:nvPr>
+            <p:ph idx="1"/>
+          </p:nvPr>
+        </p:nvSpPr>
+        <p:spPr>
+          <a:xfrm>
+            <a:off x="294275" y="905214"/>
+            <a:ext cx="8946541" cy="4195481"/>
+          </a:xfrm>
+        </p:spPr>
+        <p:txBody>
+          <a:bodyPr vert="horz" lIns="91440" tIns="45720" rIns="91440" bIns="45720" rtlCol="0" anchor="t">
+            <a:normAutofit/>
+          </a:bodyPr>
+          <a:lstStyle/>
           <a:p>
             <a:pPr>
               <a:buFont typeface="Arial" charset="2"/>
               <a:buChar char="•"/>
             </a:pPr>
             <a:r>
-              <a:rPr lang="en-US" dirty="0">
-                <a:cs typeface="Calibri"/>
-              </a:rPr>
-              <a:t>Homework</a:t>
-            </a:r>
-          </a:p>
-          <a:p>
-            <a:endParaRPr lang="en-US" dirty="0">
-              <a:cs typeface="Calibri"/>
-            </a:endParaRPr>
-          </a:p>
-          <a:p>
-            <a:r>
-              <a:rPr lang="en-US" dirty="0">
-                <a:cs typeface="Calibri"/>
-              </a:rPr>
-              <a:t>Please bear with us as we fully expect some speedbumps today!</a:t>
-            </a:r>
+              <a:rPr lang="en-US"/>
+              <a:t>Install anything that hasn't been installed</a:t>
+            </a:r>
+          </a:p>
+          <a:p>
+            <a:pPr>
+              <a:buFont typeface="Arial" charset="2"/>
+              <a:buChar char="•"/>
+            </a:pPr>
+            <a:r>
+              <a:rPr lang="en-US"/>
+              <a:t>Readings</a:t>
+            </a:r>
+          </a:p>
+          <a:p>
+            <a:pPr>
+              <a:buFont typeface="Arial" charset="2"/>
+              <a:buChar char="•"/>
+            </a:pPr>
+            <a:r>
+              <a:rPr lang="en-US"/>
+              <a:t>Homework Assignment</a:t>
+            </a:r>
+          </a:p>
+          <a:p>
+            <a:pPr>
+              <a:buFont typeface="Arial" charset="2"/>
+              <a:buChar char="•"/>
+            </a:pPr>
+            <a:r>
+              <a:rPr lang="en-US"/>
+              <a:t>Save a copy of your homework assignment OUTSIDE of your git repo. </a:t>
+            </a:r>
+          </a:p>
+          <a:p>
+            <a:pPr lvl="1" indent="0">
+              <a:buFont typeface="Arial" charset="2"/>
+              <a:buChar char="•"/>
+            </a:pPr>
+            <a:r>
+              <a:rPr lang="en-US"/>
+              <a:t>Suggest creating a folder called "homework"</a:t>
+            </a:r>
+          </a:p>
+          <a:p>
+            <a:pPr lvl="1" indent="0">
+              <a:buFont typeface="Arial" charset="2"/>
+              <a:buChar char="•"/>
+            </a:pPr>
+            <a:r>
+              <a:rPr lang="en-US"/>
+              <a:t>If it's inside the git repo you will run into issues.</a:t>
+            </a:r>
+          </a:p>
+          <a:p>
+            <a:pPr lvl="1" indent="0">
+              <a:buFont typeface="Arial" charset="2"/>
+              <a:buChar char="•"/>
+            </a:pPr>
+            <a:endParaRPr lang="en-US"/>
+          </a:p>
+          <a:p>
+            <a:endParaRPr lang="en-US"/>
           </a:p>
         </p:txBody>
       </p:sp>
     </p:spTree>
     <p:extLst>
       <p:ext uri="{BB962C8B-B14F-4D97-AF65-F5344CB8AC3E}">
-        <p14:creationId xmlns:p14="http://schemas.microsoft.com/office/powerpoint/2010/main" val="1977541109"/>
+        <p14:creationId xmlns:p14="http://schemas.microsoft.com/office/powerpoint/2010/main" val="2700805811"/>
       </p:ext>
     </p:extLst>
   </p:cSld>
@@ -10314,7 +10638,7 @@
         <p:spPr/>
         <p:txBody>
           <a:bodyPr vert="horz" lIns="91440" tIns="45720" rIns="91440" bIns="45720" rtlCol="0" anchor="t">
-            <a:normAutofit/>
+            <a:normAutofit lnSpcReduction="10000"/>
           </a:bodyPr>
           <a:lstStyle/>
           <a:p>
@@ -10360,6 +10684,16 @@
             <a:r>
               <a:rPr lang="en-US" dirty="0"/>
               <a:t>Brittany Minor</a:t>
+            </a:r>
+          </a:p>
+          <a:p>
+            <a:pPr lvl="1">
+              <a:buFont typeface="Arial" charset="2"/>
+              <a:buChar char="•"/>
+            </a:pPr>
+            <a:r>
+              <a:rPr lang="en-US" dirty="0"/>
+              <a:t>Maya Carnie</a:t>
             </a:r>
           </a:p>
           <a:p>

--- a/course_material/week_01/01_Presentation.pptx
+++ b/course_material/week_01/01_Presentation.pptx
@@ -5,7 +5,7 @@
     <p:sldMasterId id="2147483801" r:id="rId1"/>
   </p:sldMasterIdLst>
   <p:notesMasterIdLst>
-    <p:notesMasterId r:id="rId22"/>
+    <p:notesMasterId r:id="rId23"/>
   </p:notesMasterIdLst>
   <p:sldIdLst>
     <p:sldId id="256" r:id="rId2"/>
@@ -23,11 +23,12 @@
     <p:sldId id="270" r:id="rId14"/>
     <p:sldId id="269" r:id="rId15"/>
     <p:sldId id="271" r:id="rId16"/>
-    <p:sldId id="272" r:id="rId17"/>
-    <p:sldId id="274" r:id="rId18"/>
-    <p:sldId id="273" r:id="rId19"/>
-    <p:sldId id="275" r:id="rId20"/>
-    <p:sldId id="268" r:id="rId21"/>
+    <p:sldId id="278" r:id="rId17"/>
+    <p:sldId id="272" r:id="rId18"/>
+    <p:sldId id="274" r:id="rId19"/>
+    <p:sldId id="273" r:id="rId20"/>
+    <p:sldId id="275" r:id="rId21"/>
+    <p:sldId id="268" r:id="rId22"/>
   </p:sldIdLst>
   <p:sldSz cx="12192000" cy="6858000"/>
   <p:notesSz cx="6858000" cy="9144000"/>
@@ -1560,32 +1561,24 @@
     </pc:docChg>
   </pc:docChgLst>
   <pc:docChgLst>
-    <pc:chgData name="Matthew Warner" userId="389b7aa93fe24cc9" providerId="Windows Live" clId="Web-{982466DD-6CA6-4829-8677-8121BEBBE42F}"/>
-    <pc:docChg chg="addSld modSld">
-      <pc:chgData name="Matthew Warner" userId="389b7aa93fe24cc9" providerId="Windows Live" clId="Web-{982466DD-6CA6-4829-8677-8121BEBBE42F}" dt="2020-08-17T21:56:35.533" v="717" actId="20577"/>
+    <pc:chgData name="Matthew Warner" userId="389b7aa93fe24cc9" providerId="Windows Live" clId="Web-{EFA17049-0C7F-48B7-BD93-99B23A522F43}"/>
+    <pc:docChg chg="modSld">
+      <pc:chgData name="Matthew Warner" userId="389b7aa93fe24cc9" providerId="Windows Live" clId="Web-{EFA17049-0C7F-48B7-BD93-99B23A522F43}" dt="2020-08-19T21:56:53.640" v="3" actId="20577"/>
       <pc:docMkLst>
         <pc:docMk/>
       </pc:docMkLst>
-      <pc:sldChg chg="modSp new">
-        <pc:chgData name="Matthew Warner" userId="389b7aa93fe24cc9" providerId="Windows Live" clId="Web-{982466DD-6CA6-4829-8677-8121BEBBE42F}" dt="2020-08-17T21:54:18.167" v="716" actId="20577"/>
+      <pc:sldChg chg="modSp">
+        <pc:chgData name="Matthew Warner" userId="389b7aa93fe24cc9" providerId="Windows Live" clId="Web-{EFA17049-0C7F-48B7-BD93-99B23A522F43}" dt="2020-08-19T21:56:53.640" v="2" actId="20577"/>
         <pc:sldMkLst>
           <pc:docMk/>
-          <pc:sldMk cId="3682780387" sldId="269"/>
+          <pc:sldMk cId="3854308777" sldId="258"/>
         </pc:sldMkLst>
         <pc:spChg chg="mod">
-          <ac:chgData name="Matthew Warner" userId="389b7aa93fe24cc9" providerId="Windows Live" clId="Web-{982466DD-6CA6-4829-8677-8121BEBBE42F}" dt="2020-08-17T21:49:03.040" v="11" actId="1076"/>
+          <ac:chgData name="Matthew Warner" userId="389b7aa93fe24cc9" providerId="Windows Live" clId="Web-{EFA17049-0C7F-48B7-BD93-99B23A522F43}" dt="2020-08-19T21:56:53.640" v="2" actId="20577"/>
           <ac:spMkLst>
             <pc:docMk/>
-            <pc:sldMk cId="3682780387" sldId="269"/>
-            <ac:spMk id="2" creationId="{EF27FBFE-8268-4F9A-BCE8-38B64A24927B}"/>
-          </ac:spMkLst>
-        </pc:spChg>
-        <pc:spChg chg="mod">
-          <ac:chgData name="Matthew Warner" userId="389b7aa93fe24cc9" providerId="Windows Live" clId="Web-{982466DD-6CA6-4829-8677-8121BEBBE42F}" dt="2020-08-17T21:54:18.167" v="716" actId="20577"/>
-          <ac:spMkLst>
-            <pc:docMk/>
-            <pc:sldMk cId="3682780387" sldId="269"/>
-            <ac:spMk id="3" creationId="{1A832535-BBA3-4CE2-8CAC-C3E1EF98EE79}"/>
+            <pc:sldMk cId="3854308777" sldId="258"/>
+            <ac:spMk id="3" creationId="{DE1805A6-F933-491C-96A0-14F614A26A88}"/>
           </ac:spMkLst>
         </pc:spChg>
       </pc:sldChg>
@@ -1663,24 +1656,32 @@
     </pc:docChg>
   </pc:docChgLst>
   <pc:docChgLst>
-    <pc:chgData name="Matthew Warner" userId="389b7aa93fe24cc9" providerId="Windows Live" clId="Web-{EFA17049-0C7F-48B7-BD93-99B23A522F43}"/>
-    <pc:docChg chg="modSld">
-      <pc:chgData name="Matthew Warner" userId="389b7aa93fe24cc9" providerId="Windows Live" clId="Web-{EFA17049-0C7F-48B7-BD93-99B23A522F43}" dt="2020-08-19T21:56:53.640" v="3" actId="20577"/>
+    <pc:chgData name="Matthew Warner" userId="389b7aa93fe24cc9" providerId="Windows Live" clId="Web-{982466DD-6CA6-4829-8677-8121BEBBE42F}"/>
+    <pc:docChg chg="addSld modSld">
+      <pc:chgData name="Matthew Warner" userId="389b7aa93fe24cc9" providerId="Windows Live" clId="Web-{982466DD-6CA6-4829-8677-8121BEBBE42F}" dt="2020-08-17T21:56:35.533" v="717" actId="20577"/>
       <pc:docMkLst>
         <pc:docMk/>
       </pc:docMkLst>
-      <pc:sldChg chg="modSp">
-        <pc:chgData name="Matthew Warner" userId="389b7aa93fe24cc9" providerId="Windows Live" clId="Web-{EFA17049-0C7F-48B7-BD93-99B23A522F43}" dt="2020-08-19T21:56:53.640" v="2" actId="20577"/>
+      <pc:sldChg chg="modSp new">
+        <pc:chgData name="Matthew Warner" userId="389b7aa93fe24cc9" providerId="Windows Live" clId="Web-{982466DD-6CA6-4829-8677-8121BEBBE42F}" dt="2020-08-17T21:54:18.167" v="716" actId="20577"/>
         <pc:sldMkLst>
           <pc:docMk/>
-          <pc:sldMk cId="3854308777" sldId="258"/>
+          <pc:sldMk cId="3682780387" sldId="269"/>
         </pc:sldMkLst>
         <pc:spChg chg="mod">
-          <ac:chgData name="Matthew Warner" userId="389b7aa93fe24cc9" providerId="Windows Live" clId="Web-{EFA17049-0C7F-48B7-BD93-99B23A522F43}" dt="2020-08-19T21:56:53.640" v="2" actId="20577"/>
+          <ac:chgData name="Matthew Warner" userId="389b7aa93fe24cc9" providerId="Windows Live" clId="Web-{982466DD-6CA6-4829-8677-8121BEBBE42F}" dt="2020-08-17T21:49:03.040" v="11" actId="1076"/>
           <ac:spMkLst>
             <pc:docMk/>
-            <pc:sldMk cId="3854308777" sldId="258"/>
-            <ac:spMk id="3" creationId="{DE1805A6-F933-491C-96A0-14F614A26A88}"/>
+            <pc:sldMk cId="3682780387" sldId="269"/>
+            <ac:spMk id="2" creationId="{EF27FBFE-8268-4F9A-BCE8-38B64A24927B}"/>
+          </ac:spMkLst>
+        </pc:spChg>
+        <pc:spChg chg="mod">
+          <ac:chgData name="Matthew Warner" userId="389b7aa93fe24cc9" providerId="Windows Live" clId="Web-{982466DD-6CA6-4829-8677-8121BEBBE42F}" dt="2020-08-17T21:54:18.167" v="716" actId="20577"/>
+          <ac:spMkLst>
+            <pc:docMk/>
+            <pc:sldMk cId="3682780387" sldId="269"/>
+            <ac:spMk id="3" creationId="{1A832535-BBA3-4CE2-8CAC-C3E1EF98EE79}"/>
           </ac:spMkLst>
         </pc:spChg>
       </pc:sldChg>
@@ -2524,7 +2525,7 @@
           <a:p>
             <a:fld id="{2CD6395E-E0A2-4FD5-96E6-628A2336CB73}" type="slidenum">
               <a:rPr lang="en-US" smtClean="0"/>
-              <a:t>16</a:t>
+              <a:t>17</a:t>
             </a:fld>
             <a:endParaRPr lang="en-US"/>
           </a:p>
@@ -9007,7 +9008,7 @@
             <a:pPr lvl="1"/>
             <a:r>
               <a:rPr lang="en-US" dirty="0"/>
-              <a:t>These are to be completed of groups from 1-3 people. </a:t>
+              <a:t>These are to be completed in groups from 1-3 people. </a:t>
             </a:r>
           </a:p>
           <a:p>
@@ -9375,15 +9376,7 @@
             </a:pPr>
             <a:r>
               <a:rPr lang="en-US" dirty="0"/>
-              <a:t>Create a folder called "</a:t>
-            </a:r>
-            <a:r>
-              <a:rPr lang="en-US" dirty="0" err="1"/>
-              <a:t>git_repos</a:t>
-            </a:r>
-            <a:r>
-              <a:rPr lang="en-US" dirty="0"/>
-              <a:t>" on your computer</a:t>
+              <a:t>Create a folder called “data-science-class" on your computer</a:t>
             </a:r>
           </a:p>
           <a:p>
@@ -9455,15 +9448,15 @@
             </a:r>
             <a:r>
               <a:rPr lang="en-US" dirty="0"/>
-              <a:t> </a:t>
+              <a:t> data-science-</a:t>
             </a:r>
             <a:r>
               <a:rPr lang="en-US" dirty="0" err="1"/>
-              <a:t>git_repos</a:t>
-            </a:r>
-            <a:r>
-              <a:rPr lang="en-US" dirty="0"/>
-              <a:t>' and hit enter</a:t>
+              <a:t>class'</a:t>
+            </a:r>
+            <a:r>
+              <a:rPr lang="en-US" dirty="0"/>
+              <a:t> and hit enter</a:t>
             </a:r>
           </a:p>
           <a:p>
@@ -9473,15 +9466,7 @@
             </a:pPr>
             <a:r>
               <a:rPr lang="en-US" dirty="0"/>
-              <a:t>'cd </a:t>
-            </a:r>
-            <a:r>
-              <a:rPr lang="en-US" dirty="0" err="1"/>
-              <a:t>git_repos</a:t>
-            </a:r>
-            <a:r>
-              <a:rPr lang="en-US" dirty="0"/>
-              <a:t>/'</a:t>
+              <a:t>‘cd data-science-class/'</a:t>
             </a:r>
           </a:p>
           <a:p>
@@ -9587,7 +9572,12 @@
             <p:ph idx="1"/>
           </p:nvPr>
         </p:nvSpPr>
-        <p:spPr/>
+        <p:spPr>
+          <a:xfrm>
+            <a:off x="1103312" y="1516566"/>
+            <a:ext cx="8946541" cy="4731833"/>
+          </a:xfrm>
+        </p:spPr>
         <p:txBody>
           <a:bodyPr>
             <a:normAutofit lnSpcReduction="10000"/>
@@ -9596,7 +9586,7 @@
           <a:p>
             <a:r>
               <a:rPr lang="en-US" dirty="0"/>
-              <a:t>Make a directory to store all your homework assignments in</a:t>
+              <a:t>Make a directory to store all your homework assignments in (or just for the first homework- up to you!)</a:t>
             </a:r>
           </a:p>
           <a:p>
@@ -9661,19 +9651,30 @@
             </a:r>
           </a:p>
           <a:p>
+            <a:pPr lvl="3"/>
+            <a:r>
+              <a:rPr lang="en-US" dirty="0"/>
+              <a:t>OR Git add readme.md </a:t>
+            </a:r>
+          </a:p>
+          <a:p>
             <a:pPr lvl="2"/>
             <a:r>
               <a:rPr lang="en-US" dirty="0"/>
-              <a:t>Git commit –m “your message”</a:t>
-            </a:r>
+              <a:t>Git commit –</a:t>
+            </a:r>
+            <a:r>
+              <a:rPr lang="en-US"/>
+              <a:t>m “&lt;your message&gt;”</a:t>
+            </a:r>
+            <a:endParaRPr lang="en-US" dirty="0"/>
           </a:p>
           <a:p>
             <a:pPr lvl="2"/>
             <a:r>
-              <a:rPr lang="en-US"/>
+              <a:rPr lang="en-US" dirty="0"/>
               <a:t>Git push</a:t>
             </a:r>
-            <a:endParaRPr lang="en-US" dirty="0"/>
           </a:p>
         </p:txBody>
       </p:sp>
@@ -9691,6 +9692,92 @@
 </file>
 
 <file path=ppt/slides/slide16.xml><?xml version="1.0" encoding="utf-8"?>
+<p:sld xmlns:a="http://schemas.openxmlformats.org/drawingml/2006/main" xmlns:r="http://schemas.openxmlformats.org/officeDocument/2006/relationships" xmlns:p="http://schemas.openxmlformats.org/presentationml/2006/main">
+  <p:cSld>
+    <p:spTree>
+      <p:nvGrpSpPr>
+        <p:cNvPr id="1" name=""/>
+        <p:cNvGrpSpPr/>
+        <p:nvPr/>
+      </p:nvGrpSpPr>
+      <p:grpSpPr>
+        <a:xfrm>
+          <a:off x="0" y="0"/>
+          <a:ext cx="0" cy="0"/>
+          <a:chOff x="0" y="0"/>
+          <a:chExt cx="0" cy="0"/>
+        </a:xfrm>
+      </p:grpSpPr>
+      <p:sp>
+        <p:nvSpPr>
+          <p:cNvPr id="2" name="Title 1">
+            <a:extLst>
+              <a:ext uri="{FF2B5EF4-FFF2-40B4-BE49-F238E27FC236}">
+                <a16:creationId xmlns:a16="http://schemas.microsoft.com/office/drawing/2014/main" id="{9FA32A23-5213-46E1-A8D1-F6FED0808607}"/>
+              </a:ext>
+            </a:extLst>
+          </p:cNvPr>
+          <p:cNvSpPr>
+            <a:spLocks noGrp="1"/>
+          </p:cNvSpPr>
+          <p:nvPr>
+            <p:ph type="title"/>
+          </p:nvPr>
+        </p:nvSpPr>
+        <p:spPr/>
+        <p:txBody>
+          <a:bodyPr/>
+          <a:lstStyle/>
+          <a:p>
+            <a:r>
+              <a:rPr lang="en-US" dirty="0"/>
+              <a:t>Break (10 Mins)</a:t>
+            </a:r>
+          </a:p>
+        </p:txBody>
+      </p:sp>
+      <p:sp>
+        <p:nvSpPr>
+          <p:cNvPr id="4" name="Text Placeholder 3">
+            <a:extLst>
+              <a:ext uri="{FF2B5EF4-FFF2-40B4-BE49-F238E27FC236}">
+                <a16:creationId xmlns:a16="http://schemas.microsoft.com/office/drawing/2014/main" id="{6B462E2E-8934-4191-90E0-72DEF9AA14CE}"/>
+              </a:ext>
+            </a:extLst>
+          </p:cNvPr>
+          <p:cNvSpPr>
+            <a:spLocks noGrp="1"/>
+          </p:cNvSpPr>
+          <p:nvPr>
+            <p:ph type="body" idx="1"/>
+          </p:nvPr>
+        </p:nvSpPr>
+        <p:spPr/>
+        <p:txBody>
+          <a:bodyPr/>
+          <a:lstStyle/>
+          <a:p>
+            <a:r>
+              <a:rPr lang="en-US" dirty="0"/>
+              <a:t>Attendance word will be posted in chat</a:t>
+            </a:r>
+          </a:p>
+        </p:txBody>
+      </p:sp>
+    </p:spTree>
+    <p:extLst>
+      <p:ext uri="{BB962C8B-B14F-4D97-AF65-F5344CB8AC3E}">
+        <p14:creationId xmlns:p14="http://schemas.microsoft.com/office/powerpoint/2010/main" val="3435949321"/>
+      </p:ext>
+    </p:extLst>
+  </p:cSld>
+  <p:clrMapOvr>
+    <a:masterClrMapping/>
+  </p:clrMapOvr>
+</p:sld>
+</file>
+
+<file path=ppt/slides/slide17.xml><?xml version="1.0" encoding="utf-8"?>
 <p:sld xmlns:a="http://schemas.openxmlformats.org/drawingml/2006/main" xmlns:r="http://schemas.openxmlformats.org/officeDocument/2006/relationships" xmlns:p="http://schemas.openxmlformats.org/presentationml/2006/main">
   <p:cSld>
     <p:spTree>
@@ -9795,139 +9882,6 @@
 </p:sld>
 </file>
 
-<file path=ppt/slides/slide17.xml><?xml version="1.0" encoding="utf-8"?>
-<p:sld xmlns:a="http://schemas.openxmlformats.org/drawingml/2006/main" xmlns:r="http://schemas.openxmlformats.org/officeDocument/2006/relationships" xmlns:p="http://schemas.openxmlformats.org/presentationml/2006/main">
-  <p:cSld>
-    <p:spTree>
-      <p:nvGrpSpPr>
-        <p:cNvPr id="1" name=""/>
-        <p:cNvGrpSpPr/>
-        <p:nvPr/>
-      </p:nvGrpSpPr>
-      <p:grpSpPr>
-        <a:xfrm>
-          <a:off x="0" y="0"/>
-          <a:ext cx="0" cy="0"/>
-          <a:chOff x="0" y="0"/>
-          <a:chExt cx="0" cy="0"/>
-        </a:xfrm>
-      </p:grpSpPr>
-      <p:sp>
-        <p:nvSpPr>
-          <p:cNvPr id="2" name="Title 1">
-            <a:extLst>
-              <a:ext uri="{FF2B5EF4-FFF2-40B4-BE49-F238E27FC236}">
-                <a16:creationId xmlns:a16="http://schemas.microsoft.com/office/drawing/2014/main" id="{FCB20E9B-002C-4D50-A850-7CCB8A9607EE}"/>
-              </a:ext>
-            </a:extLst>
-          </p:cNvPr>
-          <p:cNvSpPr>
-            <a:spLocks noGrp="1"/>
-          </p:cNvSpPr>
-          <p:nvPr>
-            <p:ph type="title"/>
-          </p:nvPr>
-        </p:nvSpPr>
-        <p:spPr/>
-        <p:txBody>
-          <a:bodyPr/>
-          <a:lstStyle/>
-          <a:p>
-            <a:r>
-              <a:rPr lang="en-US" dirty="0"/>
-              <a:t>In Class Activity: 30 mins</a:t>
-            </a:r>
-          </a:p>
-        </p:txBody>
-      </p:sp>
-      <p:sp>
-        <p:nvSpPr>
-          <p:cNvPr id="3" name="Content Placeholder 2">
-            <a:extLst>
-              <a:ext uri="{FF2B5EF4-FFF2-40B4-BE49-F238E27FC236}">
-                <a16:creationId xmlns:a16="http://schemas.microsoft.com/office/drawing/2014/main" id="{4BC89F77-664B-4D03-AA82-E422CC9A225B}"/>
-              </a:ext>
-            </a:extLst>
-          </p:cNvPr>
-          <p:cNvSpPr>
-            <a:spLocks noGrp="1"/>
-          </p:cNvSpPr>
-          <p:nvPr>
-            <p:ph idx="1"/>
-          </p:nvPr>
-        </p:nvSpPr>
-        <p:spPr/>
-        <p:txBody>
-          <a:bodyPr/>
-          <a:lstStyle/>
-          <a:p>
-            <a:r>
-              <a:rPr lang="en-US" dirty="0"/>
-              <a:t>Document the main datatypes in a </a:t>
-            </a:r>
-            <a:r>
-              <a:rPr lang="en-US" dirty="0" err="1"/>
-              <a:t>Jupyer</a:t>
-            </a:r>
-            <a:r>
-              <a:rPr lang="en-US" dirty="0"/>
-              <a:t> notebook. Use markdown and headings and provide an example of each datatype and print the type to confirm you’re right:</a:t>
-            </a:r>
-          </a:p>
-          <a:p>
-            <a:pPr lvl="1"/>
-            <a:r>
-              <a:rPr lang="en-US" dirty="0"/>
-              <a:t>Numeric (integers and floats)</a:t>
-            </a:r>
-          </a:p>
-          <a:p>
-            <a:pPr lvl="1"/>
-            <a:r>
-              <a:rPr lang="en-US" dirty="0"/>
-              <a:t>Dictionary</a:t>
-            </a:r>
-          </a:p>
-          <a:p>
-            <a:pPr lvl="1"/>
-            <a:r>
-              <a:rPr lang="en-US" dirty="0"/>
-              <a:t>Boolean</a:t>
-            </a:r>
-          </a:p>
-          <a:p>
-            <a:pPr lvl="1"/>
-            <a:r>
-              <a:rPr lang="en-US" dirty="0"/>
-              <a:t>Sequence (string, list, tuple)</a:t>
-            </a:r>
-          </a:p>
-          <a:p>
-            <a:pPr lvl="1"/>
-            <a:r>
-              <a:rPr lang="en-US" dirty="0"/>
-              <a:t>Set</a:t>
-            </a:r>
-          </a:p>
-          <a:p>
-            <a:pPr lvl="1"/>
-            <a:endParaRPr lang="en-US" dirty="0"/>
-          </a:p>
-        </p:txBody>
-      </p:sp>
-    </p:spTree>
-    <p:extLst>
-      <p:ext uri="{BB962C8B-B14F-4D97-AF65-F5344CB8AC3E}">
-        <p14:creationId xmlns:p14="http://schemas.microsoft.com/office/powerpoint/2010/main" val="1047999158"/>
-      </p:ext>
-    </p:extLst>
-  </p:cSld>
-  <p:clrMapOvr>
-    <a:masterClrMapping/>
-  </p:clrMapOvr>
-</p:sld>
-</file>
-
 <file path=ppt/slides/slide18.xml><?xml version="1.0" encoding="utf-8"?>
 <p:sld xmlns:a="http://schemas.openxmlformats.org/drawingml/2006/main" xmlns:r="http://schemas.openxmlformats.org/officeDocument/2006/relationships" xmlns:p="http://schemas.openxmlformats.org/presentationml/2006/main">
   <p:cSld>
@@ -9950,7 +9904,7 @@
           <p:cNvPr id="2" name="Title 1">
             <a:extLst>
               <a:ext uri="{FF2B5EF4-FFF2-40B4-BE49-F238E27FC236}">
-                <a16:creationId xmlns:a16="http://schemas.microsoft.com/office/drawing/2014/main" id="{47F85EB0-7CDB-4E13-A551-F7F23BFFFB23}"/>
+                <a16:creationId xmlns:a16="http://schemas.microsoft.com/office/drawing/2014/main" id="{FCB20E9B-002C-4D50-A850-7CCB8A9607EE}"/>
               </a:ext>
             </a:extLst>
           </p:cNvPr>
@@ -9968,7 +9922,7 @@
           <a:p>
             <a:r>
               <a:rPr lang="en-US" dirty="0"/>
-              <a:t>Python Flow control</a:t>
+              <a:t>In Class Activity: 30 mins</a:t>
             </a:r>
           </a:p>
         </p:txBody>
@@ -9978,7 +9932,7 @@
           <p:cNvPr id="3" name="Content Placeholder 2">
             <a:extLst>
               <a:ext uri="{FF2B5EF4-FFF2-40B4-BE49-F238E27FC236}">
-                <a16:creationId xmlns:a16="http://schemas.microsoft.com/office/drawing/2014/main" id="{829A05FB-1BBF-4E8B-B510-61049917C545}"/>
+                <a16:creationId xmlns:a16="http://schemas.microsoft.com/office/drawing/2014/main" id="{4BC89F77-664B-4D03-AA82-E422CC9A225B}"/>
               </a:ext>
             </a:extLst>
           </p:cNvPr>
@@ -9996,59 +9950,62 @@
           <a:p>
             <a:r>
               <a:rPr lang="en-US" dirty="0"/>
-              <a:t>If… </a:t>
+              <a:t>Document the main datatypes in a </a:t>
             </a:r>
             <a:r>
               <a:rPr lang="en-US" dirty="0" err="1"/>
-              <a:t>elif</a:t>
-            </a:r>
-            <a:r>
-              <a:rPr lang="en-US" dirty="0"/>
-              <a:t>… else</a:t>
-            </a:r>
-          </a:p>
-          <a:p>
-            <a:r>
-              <a:rPr lang="en-US" dirty="0"/>
-              <a:t>for</a:t>
-            </a:r>
-          </a:p>
-          <a:p>
-            <a:r>
-              <a:rPr lang="en-US" dirty="0"/>
-              <a:t>While</a:t>
-            </a:r>
-          </a:p>
-          <a:p>
-            <a:r>
-              <a:rPr lang="en-US"/>
-              <a:t>Range (</a:t>
-            </a:r>
-            <a:r>
-              <a:rPr lang="en-US" dirty="0"/>
-              <a:t>if we </a:t>
-            </a:r>
-            <a:r>
-              <a:rPr lang="en-US"/>
-              <a:t>have time)</a:t>
-            </a:r>
+              <a:t>Jupyer</a:t>
+            </a:r>
+            <a:r>
+              <a:rPr lang="en-US" dirty="0"/>
+              <a:t> notebook. Use markdown and headings and provide an example of each datatype and print the type to confirm you’re right:</a:t>
+            </a:r>
+          </a:p>
+          <a:p>
+            <a:pPr lvl="1"/>
+            <a:r>
+              <a:rPr lang="en-US" dirty="0"/>
+              <a:t>Numeric (integers and floats)</a:t>
+            </a:r>
+          </a:p>
+          <a:p>
+            <a:pPr lvl="1"/>
+            <a:r>
+              <a:rPr lang="en-US" dirty="0"/>
+              <a:t>Dictionary</a:t>
+            </a:r>
+          </a:p>
+          <a:p>
+            <a:pPr lvl="1"/>
+            <a:r>
+              <a:rPr lang="en-US" dirty="0"/>
+              <a:t>Boolean</a:t>
+            </a:r>
+          </a:p>
+          <a:p>
+            <a:pPr lvl="1"/>
+            <a:r>
+              <a:rPr lang="en-US" dirty="0"/>
+              <a:t>Sequence (string, list, tuple)</a:t>
+            </a:r>
+          </a:p>
+          <a:p>
+            <a:pPr lvl="1"/>
+            <a:r>
+              <a:rPr lang="en-US" dirty="0"/>
+              <a:t>Set</a:t>
+            </a:r>
+          </a:p>
+          <a:p>
+            <a:pPr lvl="1"/>
             <a:endParaRPr lang="en-US" dirty="0"/>
-          </a:p>
-          <a:p>
-            <a:endParaRPr lang="en-US" dirty="0"/>
-          </a:p>
-          <a:p>
-            <a:r>
-              <a:rPr lang="en-US" dirty="0"/>
-              <a:t>There’s a lot more to this, but were just going over the basics today!</a:t>
-            </a:r>
           </a:p>
         </p:txBody>
       </p:sp>
     </p:spTree>
     <p:extLst>
       <p:ext uri="{BB962C8B-B14F-4D97-AF65-F5344CB8AC3E}">
-        <p14:creationId xmlns:p14="http://schemas.microsoft.com/office/powerpoint/2010/main" val="1130824563"/>
+        <p14:creationId xmlns:p14="http://schemas.microsoft.com/office/powerpoint/2010/main" val="1047999158"/>
       </p:ext>
     </p:extLst>
   </p:cSld>
@@ -10080,7 +10037,7 @@
           <p:cNvPr id="2" name="Title 1">
             <a:extLst>
               <a:ext uri="{FF2B5EF4-FFF2-40B4-BE49-F238E27FC236}">
-                <a16:creationId xmlns:a16="http://schemas.microsoft.com/office/drawing/2014/main" id="{5158FD66-DB0F-4B49-90E8-C69DE8E5E8EA}"/>
+                <a16:creationId xmlns:a16="http://schemas.microsoft.com/office/drawing/2014/main" id="{47F85EB0-7CDB-4E13-A551-F7F23BFFFB23}"/>
               </a:ext>
             </a:extLst>
           </p:cNvPr>
@@ -10098,7 +10055,7 @@
           <a:p>
             <a:r>
               <a:rPr lang="en-US" dirty="0"/>
-              <a:t>Practice Flow Control</a:t>
+              <a:t>Python Flow control</a:t>
             </a:r>
           </a:p>
         </p:txBody>
@@ -10108,7 +10065,7 @@
           <p:cNvPr id="3" name="Content Placeholder 2">
             <a:extLst>
               <a:ext uri="{FF2B5EF4-FFF2-40B4-BE49-F238E27FC236}">
-                <a16:creationId xmlns:a16="http://schemas.microsoft.com/office/drawing/2014/main" id="{D2D6404C-9488-4A0F-8854-869F84E08883}"/>
+                <a16:creationId xmlns:a16="http://schemas.microsoft.com/office/drawing/2014/main" id="{829A05FB-1BBF-4E8B-B510-61049917C545}"/>
               </a:ext>
             </a:extLst>
           </p:cNvPr>
@@ -10124,72 +10081,53 @@
           <a:bodyPr/>
           <a:lstStyle/>
           <a:p>
-            <a:pPr marL="0" indent="0">
-              <a:buNone/>
-            </a:pPr>
-            <a:r>
-              <a:rPr lang="en-US" dirty="0"/>
-              <a:t>#whats wrong with this code? (Hint: there are 4 issues) </a:t>
-            </a:r>
-          </a:p>
-          <a:p>
-            <a:pPr marL="0" indent="0">
-              <a:buNone/>
-            </a:pPr>
-            <a:r>
-              <a:rPr lang="en-US" dirty="0"/>
-              <a:t>#what is it doing?</a:t>
-            </a:r>
-          </a:p>
-          <a:p>
-            <a:pPr marL="0" indent="0">
-              <a:buNone/>
-            </a:pPr>
-            <a:r>
-              <a:rPr lang="en-US" dirty="0"/>
-              <a:t>num = str(input("Enter a number: "))</a:t>
-            </a:r>
-          </a:p>
-          <a:p>
-            <a:pPr marL="0" indent="0">
-              <a:buNone/>
-            </a:pPr>
+            <a:r>
+              <a:rPr lang="en-US" dirty="0"/>
+              <a:t>If… </a:t>
+            </a:r>
+            <a:r>
+              <a:rPr lang="en-US" dirty="0" err="1"/>
+              <a:t>elif</a:t>
+            </a:r>
+            <a:r>
+              <a:rPr lang="en-US" dirty="0"/>
+              <a:t>… else</a:t>
+            </a:r>
+          </a:p>
+          <a:p>
+            <a:r>
+              <a:rPr lang="en-US" dirty="0"/>
+              <a:t>for</a:t>
+            </a:r>
+          </a:p>
+          <a:p>
+            <a:r>
+              <a:rPr lang="en-US" dirty="0"/>
+              <a:t>While</a:t>
+            </a:r>
+          </a:p>
+          <a:p>
+            <a:r>
+              <a:rPr lang="en-US"/>
+              <a:t>Range (</a:t>
+            </a:r>
+            <a:r>
+              <a:rPr lang="en-US" dirty="0"/>
+              <a:t>if we </a:t>
+            </a:r>
+            <a:r>
+              <a:rPr lang="en-US"/>
+              <a:t>have time)</a:t>
+            </a:r>
             <a:endParaRPr lang="en-US" dirty="0"/>
           </a:p>
           <a:p>
-            <a:pPr marL="0" indent="0">
-              <a:buNone/>
-            </a:pPr>
-            <a:r>
-              <a:rPr lang="en-US" dirty="0"/>
-              <a:t>if num % 2 = 0:</a:t>
-            </a:r>
-          </a:p>
-          <a:p>
-            <a:pPr marL="0" indent="0">
-              <a:buNone/>
-            </a:pPr>
-            <a:r>
-              <a:rPr lang="en-US" dirty="0"/>
-              <a:t>    print("Even")</a:t>
-            </a:r>
-          </a:p>
-          <a:p>
-            <a:pPr marL="0" indent="0">
-              <a:buNone/>
-            </a:pPr>
-            <a:r>
-              <a:rPr lang="en-US" dirty="0"/>
-              <a:t>else</a:t>
-            </a:r>
-          </a:p>
-          <a:p>
-            <a:pPr marL="0" indent="0">
-              <a:buNone/>
-            </a:pPr>
-            <a:r>
-              <a:rPr lang="en-US" dirty="0"/>
-              <a:t>    print("Odd)</a:t>
+            <a:endParaRPr lang="en-US" dirty="0"/>
+          </a:p>
+          <a:p>
+            <a:r>
+              <a:rPr lang="en-US" dirty="0"/>
+              <a:t>There’s a lot more to this, but were just going over the basics today!</a:t>
             </a:r>
           </a:p>
         </p:txBody>
@@ -10197,7 +10135,7 @@
     </p:spTree>
     <p:extLst>
       <p:ext uri="{BB962C8B-B14F-4D97-AF65-F5344CB8AC3E}">
-        <p14:creationId xmlns:p14="http://schemas.microsoft.com/office/powerpoint/2010/main" val="4255460673"/>
+        <p14:creationId xmlns:p14="http://schemas.microsoft.com/office/powerpoint/2010/main" val="1130824563"/>
       </p:ext>
     </p:extLst>
   </p:cSld>
@@ -10369,19 +10307,7 @@
               <a:rPr lang="en-US" dirty="0">
                 <a:cs typeface="Calibri"/>
               </a:rPr>
-              <a:t>Python flow control</a:t>
-            </a:r>
-          </a:p>
-          <a:p>
-            <a:pPr>
-              <a:buFont typeface="Arial" charset="2"/>
-              <a:buChar char="•"/>
-            </a:pPr>
-            <a:r>
-              <a:rPr lang="en-US" dirty="0">
-                <a:cs typeface="Calibri"/>
-              </a:rPr>
-              <a:t>Homework</a:t>
+              <a:t>Python flow control*</a:t>
             </a:r>
           </a:p>
           <a:p>
@@ -10434,6 +10360,155 @@
           <p:cNvPr id="2" name="Title 1">
             <a:extLst>
               <a:ext uri="{FF2B5EF4-FFF2-40B4-BE49-F238E27FC236}">
+                <a16:creationId xmlns:a16="http://schemas.microsoft.com/office/drawing/2014/main" id="{5158FD66-DB0F-4B49-90E8-C69DE8E5E8EA}"/>
+              </a:ext>
+            </a:extLst>
+          </p:cNvPr>
+          <p:cNvSpPr>
+            <a:spLocks noGrp="1"/>
+          </p:cNvSpPr>
+          <p:nvPr>
+            <p:ph type="title"/>
+          </p:nvPr>
+        </p:nvSpPr>
+        <p:spPr/>
+        <p:txBody>
+          <a:bodyPr/>
+          <a:lstStyle/>
+          <a:p>
+            <a:r>
+              <a:rPr lang="en-US" dirty="0"/>
+              <a:t>Practice Flow Control</a:t>
+            </a:r>
+          </a:p>
+        </p:txBody>
+      </p:sp>
+      <p:sp>
+        <p:nvSpPr>
+          <p:cNvPr id="3" name="Content Placeholder 2">
+            <a:extLst>
+              <a:ext uri="{FF2B5EF4-FFF2-40B4-BE49-F238E27FC236}">
+                <a16:creationId xmlns:a16="http://schemas.microsoft.com/office/drawing/2014/main" id="{D2D6404C-9488-4A0F-8854-869F84E08883}"/>
+              </a:ext>
+            </a:extLst>
+          </p:cNvPr>
+          <p:cNvSpPr>
+            <a:spLocks noGrp="1"/>
+          </p:cNvSpPr>
+          <p:nvPr>
+            <p:ph idx="1"/>
+          </p:nvPr>
+        </p:nvSpPr>
+        <p:spPr/>
+        <p:txBody>
+          <a:bodyPr/>
+          <a:lstStyle/>
+          <a:p>
+            <a:pPr marL="0" indent="0">
+              <a:buNone/>
+            </a:pPr>
+            <a:r>
+              <a:rPr lang="en-US" dirty="0"/>
+              <a:t>#whats wrong with this code? (Hint: there are 4 issues) </a:t>
+            </a:r>
+          </a:p>
+          <a:p>
+            <a:pPr marL="0" indent="0">
+              <a:buNone/>
+            </a:pPr>
+            <a:r>
+              <a:rPr lang="en-US" dirty="0"/>
+              <a:t>#what is it doing?</a:t>
+            </a:r>
+          </a:p>
+          <a:p>
+            <a:pPr marL="0" indent="0">
+              <a:buNone/>
+            </a:pPr>
+            <a:r>
+              <a:rPr lang="en-US" dirty="0"/>
+              <a:t>num = str(input("Enter a number: "))</a:t>
+            </a:r>
+          </a:p>
+          <a:p>
+            <a:pPr marL="0" indent="0">
+              <a:buNone/>
+            </a:pPr>
+            <a:endParaRPr lang="en-US" dirty="0"/>
+          </a:p>
+          <a:p>
+            <a:pPr marL="0" indent="0">
+              <a:buNone/>
+            </a:pPr>
+            <a:r>
+              <a:rPr lang="en-US" dirty="0"/>
+              <a:t>if num % 2 = 0:</a:t>
+            </a:r>
+          </a:p>
+          <a:p>
+            <a:pPr marL="0" indent="0">
+              <a:buNone/>
+            </a:pPr>
+            <a:r>
+              <a:rPr lang="en-US" dirty="0"/>
+              <a:t>    print("Even")</a:t>
+            </a:r>
+          </a:p>
+          <a:p>
+            <a:pPr marL="0" indent="0">
+              <a:buNone/>
+            </a:pPr>
+            <a:r>
+              <a:rPr lang="en-US" dirty="0"/>
+              <a:t>else</a:t>
+            </a:r>
+          </a:p>
+          <a:p>
+            <a:pPr marL="0" indent="0">
+              <a:buNone/>
+            </a:pPr>
+            <a:r>
+              <a:rPr lang="en-US" dirty="0"/>
+              <a:t>    print("Odd)</a:t>
+            </a:r>
+          </a:p>
+        </p:txBody>
+      </p:sp>
+    </p:spTree>
+    <p:extLst>
+      <p:ext uri="{BB962C8B-B14F-4D97-AF65-F5344CB8AC3E}">
+        <p14:creationId xmlns:p14="http://schemas.microsoft.com/office/powerpoint/2010/main" val="4255460673"/>
+      </p:ext>
+    </p:extLst>
+  </p:cSld>
+  <p:clrMapOvr>
+    <a:masterClrMapping/>
+  </p:clrMapOvr>
+</p:sld>
+</file>
+
+<file path=ppt/slides/slide21.xml><?xml version="1.0" encoding="utf-8"?>
+<p:sld xmlns:a="http://schemas.openxmlformats.org/drawingml/2006/main" xmlns:r="http://schemas.openxmlformats.org/officeDocument/2006/relationships" xmlns:p="http://schemas.openxmlformats.org/presentationml/2006/main">
+  <p:cSld>
+    <p:spTree>
+      <p:nvGrpSpPr>
+        <p:cNvPr id="1" name=""/>
+        <p:cNvGrpSpPr/>
+        <p:nvPr/>
+      </p:nvGrpSpPr>
+      <p:grpSpPr>
+        <a:xfrm>
+          <a:off x="0" y="0"/>
+          <a:ext cx="0" cy="0"/>
+          <a:chOff x="0" y="0"/>
+          <a:chExt cx="0" cy="0"/>
+        </a:xfrm>
+      </p:grpSpPr>
+      <p:sp>
+        <p:nvSpPr>
+          <p:cNvPr id="2" name="Title 1">
+            <a:extLst>
+              <a:ext uri="{FF2B5EF4-FFF2-40B4-BE49-F238E27FC236}">
                 <a16:creationId xmlns:a16="http://schemas.microsoft.com/office/drawing/2014/main" id="{8ED7CBDB-BF1D-4EA9-A058-181F837E554A}"/>
               </a:ext>
             </a:extLst>
@@ -10814,8 +10889,8 @@
           <a:lstStyle/>
           <a:p>
             <a:r>
-              <a:rPr lang="en-US"/>
-              <a:t>Short Break</a:t>
+              <a:rPr lang="en-US" dirty="0"/>
+              <a:t>Short Break – 5 minutes</a:t>
             </a:r>
           </a:p>
         </p:txBody>
@@ -10833,7 +10908,7 @@
             <a:spLocks noGrp="1"/>
           </p:cNvSpPr>
           <p:nvPr>
-            <p:ph idx="1"/>
+            <p:ph type="body" idx="1"/>
           </p:nvPr>
         </p:nvSpPr>
         <p:spPr/>
